--- a/trunk/lessions/Android_Par12_AndroidNDK.pptx
+++ b/trunk/lessions/Android_Par12_AndroidNDK.pptx
@@ -5,10 +5,10 @@
     <p:sldMasterId id="2147483653" r:id="rId1"/>
   </p:sldMasterIdLst>
   <p:notesMasterIdLst>
-    <p:notesMasterId r:id="rId12"/>
+    <p:notesMasterId r:id="rId14"/>
   </p:notesMasterIdLst>
   <p:handoutMasterIdLst>
-    <p:handoutMasterId r:id="rId13"/>
+    <p:handoutMasterId r:id="rId15"/>
   </p:handoutMasterIdLst>
   <p:sldIdLst>
     <p:sldId id="256" r:id="rId2"/>
@@ -19,8 +19,10 @@
     <p:sldId id="264" r:id="rId7"/>
     <p:sldId id="265" r:id="rId8"/>
     <p:sldId id="266" r:id="rId9"/>
-    <p:sldId id="263" r:id="rId10"/>
-    <p:sldId id="258" r:id="rId11"/>
+    <p:sldId id="267" r:id="rId10"/>
+    <p:sldId id="268" r:id="rId11"/>
+    <p:sldId id="263" r:id="rId12"/>
+    <p:sldId id="258" r:id="rId13"/>
   </p:sldIdLst>
   <p:sldSz cx="9144000" cy="6858000" type="screen4x3"/>
   <p:notesSz cx="6858000" cy="9144000"/>
@@ -357,7 +359,7 @@
             <a:pPr>
               <a:defRPr/>
             </a:pPr>
-            <a:fld id="{4C60E529-C1CC-4758-88AE-5BA401201372}" type="slidenum">
+            <a:fld id="{9422EE6C-15BC-49DB-A499-B36646F1A5BD}" type="slidenum">
               <a:rPr lang="en-US"/>
               <a:pPr>
                 <a:defRPr/>
@@ -679,7 +681,7 @@
             <a:pPr>
               <a:defRPr/>
             </a:pPr>
-            <a:fld id="{5AD70A89-62A9-4D94-B215-67E21CB684FB}" type="slidenum">
+            <a:fld id="{B986E905-76A8-4C0B-BF07-2653FEB3B9B7}" type="slidenum">
               <a:rPr lang="en-US"/>
               <a:pPr>
                 <a:defRPr/>
@@ -852,7 +854,7 @@
           <a:bodyPr/>
           <a:lstStyle/>
           <a:p>
-            <a:fld id="{580ECCAE-CFA2-4587-B597-2E3F77EC99E7}" type="slidenum">
+            <a:fld id="{ECF7838B-46FC-4EDA-B22D-3D23CB13EB22}" type="slidenum">
               <a:rPr lang="en-US" smtClean="0"/>
               <a:pPr/>
               <a:t>1</a:t>
@@ -1225,7 +1227,7 @@
             <a:pPr>
               <a:defRPr/>
             </a:pPr>
-            <a:fld id="{E2E607BA-19F9-4EF6-9253-FB231EB9C781}" type="datetime1">
+            <a:fld id="{410A7F19-2832-43A9-A339-62304EAFA370}" type="datetime1">
               <a:rPr lang="vi-VN"/>
               <a:pPr>
                 <a:defRPr/>
@@ -1393,7 +1395,7 @@
             <a:pPr>
               <a:defRPr/>
             </a:pPr>
-            <a:fld id="{23F74D7C-92B7-4A5D-8883-04ABF476D65D}" type="datetime1">
+            <a:fld id="{559D36AA-82FB-45C6-BB26-B978EB82FA4B}" type="datetime1">
               <a:rPr lang="vi-VN"/>
               <a:pPr>
                 <a:defRPr/>
@@ -1459,7 +1461,7 @@
             <a:pPr>
               <a:defRPr/>
             </a:pPr>
-            <a:fld id="{143FEC29-8E59-41C6-AEAD-A227A68477E6}" type="slidenum">
+            <a:fld id="{77C5F2EA-4E25-4758-9514-15C3CD2D98A2}" type="slidenum">
               <a:rPr lang="en-US"/>
               <a:pPr>
                 <a:defRPr/>
@@ -1604,7 +1606,7 @@
             <a:pPr>
               <a:defRPr/>
             </a:pPr>
-            <a:fld id="{EDAAB7B9-9639-46C5-AD4C-6669343E5988}" type="datetime1">
+            <a:fld id="{65619069-20C7-44A0-B393-A68FC57CA5A5}" type="datetime1">
               <a:rPr lang="vi-VN"/>
               <a:pPr>
                 <a:defRPr/>
@@ -1670,7 +1672,7 @@
             <a:pPr>
               <a:defRPr/>
             </a:pPr>
-            <a:fld id="{DEDEEF54-F071-4104-BB59-34DD8343E0F0}" type="slidenum">
+            <a:fld id="{90C4AEFE-67D5-4F99-9C43-9653E7FAF1E7}" type="slidenum">
               <a:rPr lang="en-US"/>
               <a:pPr>
                 <a:defRPr/>
@@ -1805,7 +1807,7 @@
             <a:pPr>
               <a:defRPr/>
             </a:pPr>
-            <a:fld id="{D86BDA05-886F-4BEB-8934-0E21CCB7EEA5}" type="datetime1">
+            <a:fld id="{A7E8DD47-1DD0-44A3-A216-8C6B2CDBFFC9}" type="datetime1">
               <a:rPr lang="vi-VN"/>
               <a:pPr>
                 <a:defRPr/>
@@ -1871,7 +1873,7 @@
             <a:pPr>
               <a:defRPr/>
             </a:pPr>
-            <a:fld id="{FAD8CA80-D256-40E5-B64B-EBBE75738043}" type="slidenum">
+            <a:fld id="{3564B707-F27F-46D8-B15E-AB276D26553F}" type="slidenum">
               <a:rPr lang="en-US"/>
               <a:pPr>
                 <a:defRPr/>
@@ -2028,7 +2030,7 @@
             <a:pPr>
               <a:defRPr/>
             </a:pPr>
-            <a:fld id="{D7DF30A0-34DF-4A39-875A-2B882BA1556C}" type="datetime1">
+            <a:fld id="{5CBF15C2-85AB-4DBD-A1DA-66FE1EDBC726}" type="datetime1">
               <a:rPr lang="vi-VN"/>
               <a:pPr>
                 <a:defRPr/>
@@ -2094,7 +2096,7 @@
             <a:pPr>
               <a:defRPr/>
             </a:pPr>
-            <a:fld id="{0E7A1B70-A6BF-44A4-A996-F2D9A7C5E815}" type="slidenum">
+            <a:fld id="{D25AA21B-F74C-49C6-8AE3-20C4AEC228EB}" type="slidenum">
               <a:rPr lang="en-US"/>
               <a:pPr>
                 <a:defRPr/>
@@ -2347,7 +2349,7 @@
             <a:pPr>
               <a:defRPr/>
             </a:pPr>
-            <a:fld id="{A92E184C-9A6A-4405-83B6-3E8EE3AA612E}" type="datetime1">
+            <a:fld id="{7FB3D12E-98E8-4FBB-8A00-75F6213A1945}" type="datetime1">
               <a:rPr lang="vi-VN"/>
               <a:pPr>
                 <a:defRPr/>
@@ -2413,7 +2415,7 @@
             <a:pPr>
               <a:defRPr/>
             </a:pPr>
-            <a:fld id="{67BA6CED-B88E-4B42-B83D-0CAF57746E24}" type="slidenum">
+            <a:fld id="{E32BA726-851C-45A8-B221-F8B83B6D1395}" type="slidenum">
               <a:rPr lang="en-US"/>
               <a:pPr>
                 <a:defRPr/>
@@ -2805,7 +2807,7 @@
             <a:pPr>
               <a:defRPr/>
             </a:pPr>
-            <a:fld id="{C68EA127-358B-4DCC-B0B1-0D80628F53B4}" type="datetime1">
+            <a:fld id="{8AEBF6BA-F6F6-4176-A6B4-FF10DAEF4A93}" type="datetime1">
               <a:rPr lang="vi-VN"/>
               <a:pPr>
                 <a:defRPr/>
@@ -2871,7 +2873,7 @@
             <a:pPr>
               <a:defRPr/>
             </a:pPr>
-            <a:fld id="{10E109DF-8E36-4572-9A03-A689AF21D035}" type="slidenum">
+            <a:fld id="{32118825-4A94-4AAA-B69D-56ED720B95FB}" type="slidenum">
               <a:rPr lang="en-US"/>
               <a:pPr>
                 <a:defRPr/>
@@ -2954,7 +2956,7 @@
             <a:pPr>
               <a:defRPr/>
             </a:pPr>
-            <a:fld id="{15AB1A78-6AEC-4E69-A2DD-E0E6894597DA}" type="datetime1">
+            <a:fld id="{07D44E21-1DD6-4E17-98FF-5B32CC593624}" type="datetime1">
               <a:rPr lang="vi-VN"/>
               <a:pPr>
                 <a:defRPr/>
@@ -3020,7 +3022,7 @@
             <a:pPr>
               <a:defRPr/>
             </a:pPr>
-            <a:fld id="{2D8CE505-39C0-41FC-81CB-73AE0483AE55}" type="slidenum">
+            <a:fld id="{8C15E5B5-CB3E-4642-9E70-7D4CF5CB3DFA}" type="slidenum">
               <a:rPr lang="en-US"/>
               <a:pPr>
                 <a:defRPr/>
@@ -3080,7 +3082,7 @@
             <a:pPr>
               <a:defRPr/>
             </a:pPr>
-            <a:fld id="{2EB908CA-CAD1-462B-BB80-C1686ACB4BB4}" type="datetime1">
+            <a:fld id="{8B3A2745-2953-42B7-9FED-1387E8B2AF9A}" type="datetime1">
               <a:rPr lang="vi-VN"/>
               <a:pPr>
                 <a:defRPr/>
@@ -3146,7 +3148,7 @@
             <a:pPr>
               <a:defRPr/>
             </a:pPr>
-            <a:fld id="{C2D12A03-21E2-4D41-BF44-ACFDB1A00329}" type="slidenum">
+            <a:fld id="{479E79ED-48BB-47E7-B0D4-E0E016381211}" type="slidenum">
               <a:rPr lang="en-US"/>
               <a:pPr>
                 <a:defRPr/>
@@ -3388,7 +3390,7 @@
             <a:pPr>
               <a:defRPr/>
             </a:pPr>
-            <a:fld id="{F052A07A-169F-46B9-9482-EF43B5B75B5F}" type="datetime1">
+            <a:fld id="{DB195208-8C7D-4372-9973-B2F7196FB9E1}" type="datetime1">
               <a:rPr lang="vi-VN"/>
               <a:pPr>
                 <a:defRPr/>
@@ -3454,7 +3456,7 @@
             <a:pPr>
               <a:defRPr/>
             </a:pPr>
-            <a:fld id="{28533228-C3E6-48B4-8C4A-D4B468AAD784}" type="slidenum">
+            <a:fld id="{19E3E5C2-9AD8-45FE-B7A8-41390081A71A}" type="slidenum">
               <a:rPr lang="en-US"/>
               <a:pPr>
                 <a:defRPr/>
@@ -3673,7 +3675,7 @@
             <a:pPr>
               <a:defRPr/>
             </a:pPr>
-            <a:fld id="{0A4C2433-CD95-46D0-B4C5-A5C18C2B4F81}" type="datetime1">
+            <a:fld id="{AAC88A60-7381-4905-8CD5-3263DDE326B3}" type="datetime1">
               <a:rPr lang="vi-VN"/>
               <a:pPr>
                 <a:defRPr/>
@@ -3739,7 +3741,7 @@
             <a:pPr>
               <a:defRPr/>
             </a:pPr>
-            <a:fld id="{9F38F659-D6AB-4E85-AA30-4D7BBCCD1775}" type="slidenum">
+            <a:fld id="{E6E12D5A-2D81-44C1-8E30-4C99DB8EE184}" type="slidenum">
               <a:rPr lang="en-US"/>
               <a:pPr>
                 <a:defRPr/>
@@ -4239,7 +4241,7 @@
             <a:pPr>
               <a:defRPr/>
             </a:pPr>
-            <a:fld id="{260BF089-7D99-4E58-A133-D64A4089B895}" type="datetime1">
+            <a:fld id="{2A35F112-4354-4E15-B6C3-85BAA401309A}" type="datetime1">
               <a:rPr lang="vi-VN"/>
               <a:pPr>
                 <a:defRPr/>
@@ -4349,7 +4351,7 @@
             <a:pPr>
               <a:defRPr/>
             </a:pPr>
-            <a:fld id="{DE63F348-EF60-4774-8890-C366F36411E7}" type="slidenum">
+            <a:fld id="{852995CA-75F9-485D-A00F-5735F681D0BA}" type="slidenum">
               <a:rPr lang="en-US"/>
               <a:pPr>
                 <a:defRPr/>
@@ -4866,7 +4868,7 @@
           <a:bodyPr/>
           <a:lstStyle/>
           <a:p>
-            <a:fld id="{62368DD3-C237-4BDF-ACBD-669C154ED0C6}" type="datetime1">
+            <a:fld id="{4B5F30E2-33AC-4FE7-9327-830B456F8E3B}" type="datetime1">
               <a:rPr lang="vi-VN" smtClean="0"/>
               <a:pPr/>
               <a:t>23/11/2011</a:t>
@@ -4920,7 +4922,7 @@
           <a:bodyPr/>
           <a:lstStyle/>
           <a:p>
-            <a:fld id="{288C9945-CE4A-45E2-9AD9-EF85127994D2}" type="slidenum">
+            <a:fld id="{B748D26D-7A5B-4901-871F-F76B48FF9004}" type="slidenum">
               <a:rPr lang="en-US" smtClean="0"/>
               <a:pPr/>
               <a:t>1</a:t>
@@ -4946,53 +4948,16 @@
           <a:p>
             <a:pPr algn="r" eaLnBrk="1" hangingPunct="1"/>
             <a:r>
-              <a:rPr lang="en-US" dirty="0" err="1" smtClean="0"/>
-              <a:t>Lập</a:t>
-            </a:r>
-            <a:r>
-              <a:rPr lang="en-US" dirty="0" smtClean="0"/>
-              <a:t> </a:t>
-            </a:r>
-            <a:r>
-              <a:rPr lang="en-US" dirty="0" err="1" smtClean="0"/>
-              <a:t>trình</a:t>
-            </a:r>
-            <a:r>
-              <a:rPr lang="en-US" dirty="0" smtClean="0"/>
-              <a:t> </a:t>
-            </a:r>
-            <a:r>
-              <a:rPr lang="en-US" dirty="0" err="1" smtClean="0"/>
-              <a:t>trên</a:t>
-            </a:r>
-            <a:r>
-              <a:rPr lang="en-US" dirty="0" smtClean="0"/>
-              <a:t> Android</a:t>
+              <a:rPr lang="en-US" smtClean="0"/>
+              <a:t>Lập trình trên Android</a:t>
             </a:r>
             <a:br>
-              <a:rPr lang="en-US" dirty="0" smtClean="0"/>
+              <a:rPr lang="en-US" smtClean="0"/>
             </a:br>
             <a:r>
-              <a:rPr lang="en-US" dirty="0" err="1" smtClean="0"/>
-              <a:t>Phần</a:t>
-            </a:r>
-            <a:r>
-              <a:rPr lang="en-US" dirty="0" smtClean="0"/>
-              <a:t> </a:t>
-            </a:r>
-            <a:r>
-              <a:rPr lang="en-US" dirty="0" smtClean="0"/>
-              <a:t>12 </a:t>
-            </a:r>
-            <a:r>
-              <a:rPr lang="en-US" dirty="0" smtClean="0"/>
-              <a:t>– </a:t>
-            </a:r>
-            <a:r>
-              <a:rPr lang="en-US" dirty="0" smtClean="0"/>
-              <a:t>Native Development Kit</a:t>
-            </a:r>
-            <a:endParaRPr lang="en-US" dirty="0" smtClean="0"/>
+              <a:rPr lang="en-US" smtClean="0"/>
+              <a:t>Phần 12 – Native Development Kit</a:t>
+            </a:r>
           </a:p>
         </p:txBody>
       </p:sp>
@@ -5062,7 +5027,7 @@
         <p:spPr bwMode="auto">
           <a:xfrm>
             <a:off x="4495800" y="5181600"/>
-            <a:ext cx="4038600" cy="523220"/>
+            <a:ext cx="4038600" cy="523875"/>
           </a:xfrm>
           <a:prstGeom prst="rect">
             <a:avLst/>
@@ -5082,14 +5047,9 @@
           <a:lstStyle/>
           <a:p>
             <a:r>
-              <a:rPr lang="en-US" sz="1400" dirty="0"/>
-              <a:t>http://</a:t>
-            </a:r>
-            <a:r>
-              <a:rPr lang="en-US" sz="1400" dirty="0" smtClean="0"/>
-              <a:t>t3hand.googlecode.com/svn/trunk/lessions/Android_Par12_AndroidNDK.pptx</a:t>
-            </a:r>
-            <a:endParaRPr lang="en-US" sz="1400" dirty="0"/>
+              <a:rPr lang="en-US" sz="1400"/>
+              <a:t>http://t3hand.googlecode.com/svn/trunk/lessions/Android_Par12_AndroidNDK.pptx</a:t>
+            </a:r>
           </a:p>
         </p:txBody>
       </p:sp>
@@ -5127,11 +5087,112 @@
       </p:grpSpPr>
       <p:sp>
         <p:nvSpPr>
-          <p:cNvPr id="21505" name="Date Placeholder 3"/>
+          <p:cNvPr id="28674" name="Rectangle 2"/>
+          <p:cNvSpPr>
+            <a:spLocks noGrp="1" noChangeArrowheads="1"/>
+          </p:cNvSpPr>
+          <p:nvPr>
+            <p:ph type="title"/>
+          </p:nvPr>
+        </p:nvSpPr>
+        <p:spPr/>
+        <p:txBody>
+          <a:bodyPr/>
+          <a:lstStyle/>
+          <a:p>
+            <a:endParaRPr lang="en-US" smtClean="0"/>
+          </a:p>
+        </p:txBody>
+      </p:sp>
+      <p:sp>
+        <p:nvSpPr>
+          <p:cNvPr id="28675" name="Rectangle 3"/>
+          <p:cNvSpPr>
+            <a:spLocks noGrp="1" noChangeArrowheads="1"/>
+          </p:cNvSpPr>
+          <p:nvPr>
+            <p:ph type="body" idx="1"/>
+          </p:nvPr>
+        </p:nvSpPr>
+        <p:spPr/>
+        <p:txBody>
+          <a:bodyPr/>
+          <a:lstStyle/>
+          <a:p>
+            <a:endParaRPr lang="en-US" smtClean="0"/>
+          </a:p>
+        </p:txBody>
+      </p:sp>
+    </p:spTree>
+  </p:cSld>
+  <p:clrMapOvr>
+    <a:masterClrMapping/>
+  </p:clrMapOvr>
+</p:sld>
+</file>
+
+<file path=ppt/slides/slide11.xml><?xml version="1.0" encoding="utf-8"?>
+<p:sld xmlns:a="http://schemas.openxmlformats.org/drawingml/2006/main" xmlns:r="http://schemas.openxmlformats.org/officeDocument/2006/relationships" xmlns:p="http://schemas.openxmlformats.org/presentationml/2006/main">
+  <p:cSld>
+    <p:spTree>
+      <p:nvGrpSpPr>
+        <p:cNvPr id="1" name=""/>
+        <p:cNvGrpSpPr/>
+        <p:nvPr/>
+      </p:nvGrpSpPr>
+      <p:grpSpPr>
+        <a:xfrm>
+          <a:off x="0" y="0"/>
+          <a:ext cx="0" cy="0"/>
+          <a:chOff x="0" y="0"/>
+          <a:chExt cx="0" cy="0"/>
+        </a:xfrm>
+      </p:grpSpPr>
+      <p:sp>
+        <p:nvSpPr>
+          <p:cNvPr id="24577" name="Title 1"/>
           <p:cNvSpPr>
             <a:spLocks noGrp="1"/>
           </p:cNvSpPr>
           <p:nvPr>
+            <p:ph type="title"/>
+          </p:nvPr>
+        </p:nvSpPr>
+        <p:spPr/>
+        <p:txBody>
+          <a:bodyPr/>
+          <a:lstStyle/>
+          <a:p>
+            <a:endParaRPr lang="en-US" smtClean="0"/>
+          </a:p>
+        </p:txBody>
+      </p:sp>
+      <p:sp>
+        <p:nvSpPr>
+          <p:cNvPr id="24578" name="Content Placeholder 2"/>
+          <p:cNvSpPr>
+            <a:spLocks noGrp="1"/>
+          </p:cNvSpPr>
+          <p:nvPr>
+            <p:ph idx="1"/>
+          </p:nvPr>
+        </p:nvSpPr>
+        <p:spPr/>
+        <p:txBody>
+          <a:bodyPr/>
+          <a:lstStyle/>
+          <a:p>
+            <a:endParaRPr lang="en-US" smtClean="0"/>
+          </a:p>
+        </p:txBody>
+      </p:sp>
+      <p:sp>
+        <p:nvSpPr>
+          <p:cNvPr id="24579" name="Date Placeholder 3"/>
+          <p:cNvSpPr>
+            <a:spLocks noGrp="1"/>
+          </p:cNvSpPr>
+          <p:nvPr>
             <p:ph type="dt" sz="quarter" idx="10"/>
           </p:nvPr>
         </p:nvSpPr>
@@ -5142,7 +5203,7 @@
           <a:bodyPr/>
           <a:lstStyle/>
           <a:p>
-            <a:fld id="{86BA8F73-FBB5-46FB-B0DC-AA581CF7CB28}" type="datetime1">
+            <a:fld id="{0204E650-F5DB-47FB-BE4E-42BAFE5EE10C}" type="datetime1">
               <a:rPr lang="vi-VN" smtClean="0"/>
               <a:pPr/>
               <a:t>23/11/2011</a:t>
@@ -5153,7 +5214,7 @@
       </p:sp>
       <p:sp>
         <p:nvSpPr>
-          <p:cNvPr id="21506" name="Footer Placeholder 4"/>
+          <p:cNvPr id="24580" name="Footer Placeholder 4"/>
           <p:cNvSpPr>
             <a:spLocks noGrp="1"/>
           </p:cNvSpPr>
@@ -5177,7 +5238,7 @@
       </p:sp>
       <p:sp>
         <p:nvSpPr>
-          <p:cNvPr id="21507" name="Slide Number Placeholder 5"/>
+          <p:cNvPr id="24581" name="Slide Number Placeholder 5"/>
           <p:cNvSpPr>
             <a:spLocks noGrp="1"/>
           </p:cNvSpPr>
@@ -5192,18 +5253,119 @@
           <a:bodyPr/>
           <a:lstStyle/>
           <a:p>
-            <a:fld id="{81BE58BC-F912-4325-873A-6E31A6954566}" type="slidenum">
+            <a:fld id="{E9A5C0A7-A414-4637-8067-45F50DD74E55}" type="slidenum">
               <a:rPr lang="en-US" smtClean="0"/>
               <a:pPr/>
-              <a:t>10</a:t>
+              <a:t>11</a:t>
             </a:fld>
             <a:endParaRPr lang="en-US" smtClean="0"/>
           </a:p>
         </p:txBody>
       </p:sp>
-      <p:sp>
-        <p:nvSpPr>
-          <p:cNvPr id="21508" name="AutoShape 2"/>
+    </p:spTree>
+  </p:cSld>
+  <p:clrMapOvr>
+    <a:masterClrMapping/>
+  </p:clrMapOvr>
+</p:sld>
+</file>
+
+<file path=ppt/slides/slide12.xml><?xml version="1.0" encoding="utf-8"?>
+<p:sld xmlns:a="http://schemas.openxmlformats.org/drawingml/2006/main" xmlns:r="http://schemas.openxmlformats.org/officeDocument/2006/relationships" xmlns:p="http://schemas.openxmlformats.org/presentationml/2006/main">
+  <p:cSld>
+    <p:spTree>
+      <p:nvGrpSpPr>
+        <p:cNvPr id="1" name=""/>
+        <p:cNvGrpSpPr/>
+        <p:nvPr/>
+      </p:nvGrpSpPr>
+      <p:grpSpPr>
+        <a:xfrm>
+          <a:off x="0" y="0"/>
+          <a:ext cx="0" cy="0"/>
+          <a:chOff x="0" y="0"/>
+          <a:chExt cx="0" cy="0"/>
+        </a:xfrm>
+      </p:grpSpPr>
+      <p:sp>
+        <p:nvSpPr>
+          <p:cNvPr id="25601" name="Date Placeholder 3"/>
+          <p:cNvSpPr>
+            <a:spLocks noGrp="1"/>
+          </p:cNvSpPr>
+          <p:nvPr>
+            <p:ph type="dt" sz="quarter" idx="10"/>
+          </p:nvPr>
+        </p:nvSpPr>
+        <p:spPr>
+          <a:noFill/>
+        </p:spPr>
+        <p:txBody>
+          <a:bodyPr/>
+          <a:lstStyle/>
+          <a:p>
+            <a:fld id="{4F8AD35F-D422-4D7D-AB9F-2AD05B326D3A}" type="datetime1">
+              <a:rPr lang="vi-VN" smtClean="0"/>
+              <a:pPr/>
+              <a:t>23/11/2011</a:t>
+            </a:fld>
+            <a:endParaRPr lang="en-US" smtClean="0"/>
+          </a:p>
+        </p:txBody>
+      </p:sp>
+      <p:sp>
+        <p:nvSpPr>
+          <p:cNvPr id="25602" name="Footer Placeholder 4"/>
+          <p:cNvSpPr>
+            <a:spLocks noGrp="1"/>
+          </p:cNvSpPr>
+          <p:nvPr>
+            <p:ph type="ftr" sz="quarter" idx="11"/>
+          </p:nvPr>
+        </p:nvSpPr>
+        <p:spPr>
+          <a:noFill/>
+        </p:spPr>
+        <p:txBody>
+          <a:bodyPr/>
+          <a:lstStyle/>
+          <a:p>
+            <a:r>
+              <a:rPr lang="en-US" smtClean="0"/>
+              <a:t>Trung Tâm Tin Học - ĐH KHTN         ĐH QG TP.HCM</a:t>
+            </a:r>
+          </a:p>
+        </p:txBody>
+      </p:sp>
+      <p:sp>
+        <p:nvSpPr>
+          <p:cNvPr id="25603" name="Slide Number Placeholder 5"/>
+          <p:cNvSpPr>
+            <a:spLocks noGrp="1"/>
+          </p:cNvSpPr>
+          <p:nvPr>
+            <p:ph type="sldNum" sz="quarter" idx="12"/>
+          </p:nvPr>
+        </p:nvSpPr>
+        <p:spPr>
+          <a:noFill/>
+        </p:spPr>
+        <p:txBody>
+          <a:bodyPr/>
+          <a:lstStyle/>
+          <a:p>
+            <a:fld id="{489723F2-94EC-4C18-B0EC-F60ED3C550AA}" type="slidenum">
+              <a:rPr lang="en-US" smtClean="0"/>
+              <a:pPr/>
+              <a:t>12</a:t>
+            </a:fld>
+            <a:endParaRPr lang="en-US" smtClean="0"/>
+          </a:p>
+        </p:txBody>
+      </p:sp>
+      <p:sp>
+        <p:nvSpPr>
+          <p:cNvPr id="25604" name="AutoShape 2"/>
           <p:cNvSpPr>
             <a:spLocks noGrp="1" noChangeArrowheads="1"/>
           </p:cNvSpPr>
@@ -5226,7 +5388,7 @@
       </p:sp>
       <p:pic>
         <p:nvPicPr>
-          <p:cNvPr id="21509" name="Picture 6" descr="Thank you"/>
+          <p:cNvPr id="25605" name="Picture 6" descr="Thank you"/>
           <p:cNvPicPr>
             <a:picLocks noChangeAspect="1" noChangeArrowheads="1"/>
           </p:cNvPicPr>
@@ -5298,7 +5460,7 @@
           <a:bodyPr/>
           <a:lstStyle/>
           <a:p>
-            <a:fld id="{CDF6A508-0A9F-4B21-8163-9CBF9D84FA9E}" type="datetime1">
+            <a:fld id="{3D82F71B-7B4D-48C4-B64D-5576A210B158}" type="datetime1">
               <a:rPr lang="vi-VN" smtClean="0"/>
               <a:pPr/>
               <a:t>23/11/2011</a:t>
@@ -5348,7 +5510,7 @@
           <a:bodyPr/>
           <a:lstStyle/>
           <a:p>
-            <a:fld id="{E940348B-3C2C-48B3-8E4D-E02C5B09B416}" type="slidenum">
+            <a:fld id="{50678AFA-653E-448D-A325-A69F07EEB91E}" type="slidenum">
               <a:rPr lang="en-US" smtClean="0"/>
               <a:pPr/>
               <a:t>2</a:t>
@@ -5397,224 +5559,37 @@
           <a:p>
             <a:pPr eaLnBrk="1" hangingPunct="1"/>
             <a:r>
-              <a:rPr lang="en-US" dirty="0" smtClean="0"/>
-              <a:t>NDK</a:t>
-            </a:r>
-            <a:r>
-              <a:rPr lang="en-US" dirty="0" smtClean="0"/>
-              <a:t> </a:t>
-            </a:r>
-            <a:r>
-              <a:rPr lang="en-US" dirty="0" err="1" smtClean="0"/>
-              <a:t>là</a:t>
-            </a:r>
-            <a:r>
-              <a:rPr lang="en-US" dirty="0" smtClean="0"/>
-              <a:t> </a:t>
-            </a:r>
-            <a:r>
-              <a:rPr lang="en-US" dirty="0" err="1" smtClean="0"/>
-              <a:t>gì</a:t>
-            </a:r>
-            <a:r>
-              <a:rPr lang="en-US" dirty="0" smtClean="0"/>
-              <a:t>?</a:t>
-            </a:r>
-            <a:endParaRPr lang="en-US" dirty="0" smtClean="0"/>
+              <a:rPr lang="en-US" smtClean="0"/>
+              <a:t>NDK là gì?</a:t>
+            </a:r>
           </a:p>
           <a:p>
             <a:pPr eaLnBrk="1" hangingPunct="1"/>
             <a:r>
-              <a:rPr lang="en-US" dirty="0" err="1" smtClean="0"/>
-              <a:t>Khi</a:t>
-            </a:r>
-            <a:r>
-              <a:rPr lang="en-US" dirty="0" smtClean="0"/>
-              <a:t> </a:t>
-            </a:r>
-            <a:r>
-              <a:rPr lang="en-US" dirty="0" err="1" smtClean="0"/>
-              <a:t>nào</a:t>
-            </a:r>
-            <a:r>
-              <a:rPr lang="en-US" dirty="0" smtClean="0"/>
-              <a:t> </a:t>
-            </a:r>
-            <a:r>
-              <a:rPr lang="en-US" dirty="0" err="1" smtClean="0"/>
-              <a:t>cần</a:t>
-            </a:r>
-            <a:r>
-              <a:rPr lang="en-US" dirty="0" smtClean="0"/>
-              <a:t> NDK.</a:t>
+              <a:rPr lang="en-US" smtClean="0"/>
+              <a:t>Khi nào cần NDK.</a:t>
             </a:r>
           </a:p>
           <a:p>
             <a:pPr eaLnBrk="1" hangingPunct="1"/>
             <a:r>
-              <a:rPr lang="en-US" dirty="0" err="1" smtClean="0"/>
-              <a:t>Những</a:t>
-            </a:r>
-            <a:r>
-              <a:rPr lang="en-US" dirty="0" smtClean="0"/>
-              <a:t> </a:t>
-            </a:r>
-            <a:r>
-              <a:rPr lang="en-US" dirty="0" err="1" smtClean="0"/>
-              <a:t>giới</a:t>
-            </a:r>
-            <a:r>
-              <a:rPr lang="en-US" dirty="0" smtClean="0"/>
-              <a:t> </a:t>
-            </a:r>
-            <a:r>
-              <a:rPr lang="en-US" dirty="0" err="1" smtClean="0"/>
-              <a:t>hạn</a:t>
-            </a:r>
-            <a:r>
-              <a:rPr lang="en-US" dirty="0" smtClean="0"/>
-              <a:t> </a:t>
-            </a:r>
-            <a:r>
-              <a:rPr lang="en-US" dirty="0" err="1" smtClean="0"/>
-              <a:t>hiện</a:t>
-            </a:r>
-            <a:r>
-              <a:rPr lang="en-US" dirty="0" smtClean="0"/>
-              <a:t> </a:t>
-            </a:r>
-            <a:r>
-              <a:rPr lang="en-US" dirty="0" err="1" smtClean="0"/>
-              <a:t>tại</a:t>
-            </a:r>
-            <a:r>
-              <a:rPr lang="en-US" dirty="0" smtClean="0"/>
-              <a:t>.</a:t>
+              <a:rPr lang="en-US" smtClean="0"/>
+              <a:t>Những giới hạn hiện tại.</a:t>
             </a:r>
           </a:p>
           <a:p>
             <a:pPr eaLnBrk="1" hangingPunct="1"/>
             <a:r>
-              <a:rPr lang="en-US" dirty="0" err="1" smtClean="0"/>
-              <a:t>Cần</a:t>
-            </a:r>
-            <a:r>
-              <a:rPr lang="en-US" dirty="0" smtClean="0"/>
-              <a:t> </a:t>
-            </a:r>
-            <a:r>
-              <a:rPr lang="en-US" dirty="0" err="1" smtClean="0"/>
-              <a:t>những</a:t>
-            </a:r>
-            <a:r>
-              <a:rPr lang="en-US" dirty="0" smtClean="0"/>
-              <a:t> </a:t>
-            </a:r>
-            <a:r>
-              <a:rPr lang="en-US" dirty="0" err="1" smtClean="0"/>
-              <a:t>côn</a:t>
-            </a:r>
-            <a:r>
-              <a:rPr lang="en-US" dirty="0" err="1" smtClean="0"/>
-              <a:t>g</a:t>
-            </a:r>
-            <a:r>
-              <a:rPr lang="en-US" dirty="0" smtClean="0"/>
-              <a:t> </a:t>
-            </a:r>
-            <a:r>
-              <a:rPr lang="en-US" dirty="0" err="1" smtClean="0"/>
-              <a:t>cụ</a:t>
-            </a:r>
-            <a:r>
-              <a:rPr lang="en-US" dirty="0" smtClean="0"/>
-              <a:t> </a:t>
-            </a:r>
-            <a:r>
-              <a:rPr lang="en-US" dirty="0" err="1" smtClean="0"/>
-              <a:t>gì</a:t>
-            </a:r>
-            <a:r>
-              <a:rPr lang="en-US" dirty="0" smtClean="0"/>
-              <a:t> </a:t>
-            </a:r>
-            <a:r>
-              <a:rPr lang="en-US" dirty="0" err="1" smtClean="0"/>
-              <a:t>để</a:t>
-            </a:r>
-            <a:r>
-              <a:rPr lang="en-US" dirty="0" smtClean="0"/>
-              <a:t> </a:t>
-            </a:r>
-            <a:r>
-              <a:rPr lang="en-US" dirty="0" err="1" smtClean="0"/>
-              <a:t>bắt</a:t>
-            </a:r>
-            <a:r>
-              <a:rPr lang="en-US" dirty="0" smtClean="0"/>
-              <a:t> </a:t>
-            </a:r>
-            <a:r>
-              <a:rPr lang="en-US" dirty="0" err="1" smtClean="0"/>
-              <a:t>đầu</a:t>
-            </a:r>
-            <a:r>
-              <a:rPr lang="en-US" dirty="0" smtClean="0"/>
-              <a:t>?</a:t>
-            </a:r>
-            <a:endParaRPr lang="en-US" dirty="0" smtClean="0"/>
+              <a:rPr lang="en-US" smtClean="0"/>
+              <a:t>Cần những công cụ gì để bắt đầu?</a:t>
+            </a:r>
           </a:p>
           <a:p>
             <a:pPr eaLnBrk="1" hangingPunct="1"/>
             <a:r>
-              <a:rPr lang="en-US" dirty="0" err="1" smtClean="0"/>
-              <a:t>Tạo</a:t>
-            </a:r>
-            <a:r>
-              <a:rPr lang="en-US" dirty="0" smtClean="0"/>
-              <a:t> </a:t>
-            </a:r>
-            <a:r>
-              <a:rPr lang="en-US" dirty="0" err="1" smtClean="0"/>
-              <a:t>một</a:t>
-            </a:r>
-            <a:r>
-              <a:rPr lang="en-US" dirty="0" smtClean="0"/>
-              <a:t> </a:t>
-            </a:r>
-            <a:r>
-              <a:rPr lang="en-US" dirty="0" err="1" smtClean="0"/>
-              <a:t>thư</a:t>
-            </a:r>
-            <a:r>
-              <a:rPr lang="en-US" dirty="0" smtClean="0"/>
-              <a:t> </a:t>
-            </a:r>
-            <a:r>
-              <a:rPr lang="en-US" dirty="0" err="1" smtClean="0"/>
-              <a:t>viện</a:t>
-            </a:r>
-            <a:r>
-              <a:rPr lang="en-US" dirty="0" smtClean="0"/>
-              <a:t> Android native </a:t>
-            </a:r>
-            <a:r>
-              <a:rPr lang="en-US" dirty="0" err="1" smtClean="0"/>
-              <a:t>đơn</a:t>
-            </a:r>
-            <a:r>
-              <a:rPr lang="en-US" dirty="0" smtClean="0"/>
-              <a:t> </a:t>
-            </a:r>
-            <a:r>
-              <a:rPr lang="en-US" dirty="0" err="1" smtClean="0"/>
-              <a:t>giản</a:t>
-            </a:r>
-            <a:r>
-              <a:rPr lang="en-US" dirty="0" smtClean="0"/>
-              <a:t>.</a:t>
-            </a:r>
-            <a:endParaRPr lang="en-US" dirty="0" smtClean="0"/>
+              <a:rPr lang="en-US" smtClean="0"/>
+              <a:t>Tạo một thư viện Android native đơn giản.</a:t>
+            </a:r>
           </a:p>
         </p:txBody>
       </p:sp>
@@ -5645,7 +5620,7 @@
       </p:grpSpPr>
       <p:sp>
         <p:nvSpPr>
-          <p:cNvPr id="2" name="Title 1"/>
+          <p:cNvPr id="18433" name="Title 1"/>
           <p:cNvSpPr>
             <a:spLocks noGrp="1"/>
           </p:cNvSpPr>
@@ -5665,32 +5640,15 @@
           <a:p>
             <a:pPr algn="r"/>
             <a:r>
-              <a:rPr lang="en-US" dirty="0" smtClean="0"/>
-              <a:t>NDK </a:t>
-            </a:r>
-            <a:r>
-              <a:rPr lang="en-US" dirty="0" err="1" smtClean="0"/>
-              <a:t>là</a:t>
-            </a:r>
-            <a:r>
-              <a:rPr lang="en-US" dirty="0" smtClean="0"/>
-              <a:t> </a:t>
-            </a:r>
-            <a:r>
-              <a:rPr lang="en-US" dirty="0" err="1" smtClean="0"/>
-              <a:t>gì</a:t>
-            </a:r>
-            <a:r>
-              <a:rPr lang="en-US" dirty="0" smtClean="0"/>
-              <a:t>?</a:t>
-            </a:r>
-            <a:endParaRPr lang="en-US" dirty="0"/>
-          </a:p>
-        </p:txBody>
-      </p:sp>
-      <p:sp>
-        <p:nvSpPr>
-          <p:cNvPr id="3" name="Content Placeholder 2"/>
+              <a:rPr lang="en-US" smtClean="0"/>
+              <a:t>NDK là gì?</a:t>
+            </a:r>
+          </a:p>
+        </p:txBody>
+      </p:sp>
+      <p:sp>
+        <p:nvSpPr>
+          <p:cNvPr id="18434" name="Content Placeholder 2"/>
           <p:cNvSpPr>
             <a:spLocks noGrp="1"/>
           </p:cNvSpPr>
@@ -5704,648 +5662,68 @@
           <a:lstStyle/>
           <a:p>
             <a:r>
-              <a:rPr lang="en-US" sz="2400" dirty="0" smtClean="0"/>
-              <a:t>Native Development Kit (NDK) </a:t>
-            </a:r>
-            <a:r>
-              <a:rPr lang="en-US" sz="2400" dirty="0" err="1" smtClean="0"/>
-              <a:t>là</a:t>
-            </a:r>
-            <a:r>
-              <a:rPr lang="en-US" sz="2400" dirty="0" smtClean="0"/>
-              <a:t> </a:t>
-            </a:r>
-            <a:r>
-              <a:rPr lang="en-US" sz="2400" dirty="0" err="1" smtClean="0"/>
-              <a:t>bộ</a:t>
-            </a:r>
-            <a:r>
-              <a:rPr lang="en-US" sz="2400" dirty="0" smtClean="0"/>
-              <a:t> </a:t>
-            </a:r>
-            <a:r>
-              <a:rPr lang="en-US" sz="2400" dirty="0" err="1" smtClean="0"/>
-              <a:t>công</a:t>
-            </a:r>
-            <a:r>
-              <a:rPr lang="en-US" sz="2400" dirty="0" smtClean="0"/>
-              <a:t> </a:t>
-            </a:r>
-            <a:r>
-              <a:rPr lang="en-US" sz="2400" dirty="0" err="1" smtClean="0"/>
-              <a:t>cụ</a:t>
-            </a:r>
-            <a:r>
-              <a:rPr lang="en-US" sz="2400" dirty="0" smtClean="0"/>
-              <a:t> </a:t>
-            </a:r>
-            <a:r>
-              <a:rPr lang="en-US" sz="2400" dirty="0" err="1" smtClean="0"/>
-              <a:t>phát</a:t>
-            </a:r>
-            <a:r>
-              <a:rPr lang="en-US" sz="2400" dirty="0" smtClean="0"/>
-              <a:t> </a:t>
-            </a:r>
-            <a:r>
-              <a:rPr lang="en-US" sz="2400" dirty="0" err="1" smtClean="0"/>
-              <a:t>triển</a:t>
-            </a:r>
-            <a:r>
-              <a:rPr lang="en-US" sz="2400" dirty="0" smtClean="0"/>
-              <a:t> </a:t>
-            </a:r>
-            <a:r>
-              <a:rPr lang="en-US" sz="2400" dirty="0" err="1" smtClean="0"/>
-              <a:t>các</a:t>
-            </a:r>
-            <a:r>
-              <a:rPr lang="en-US" sz="2400" dirty="0" smtClean="0"/>
-              <a:t> </a:t>
-            </a:r>
-            <a:r>
-              <a:rPr lang="en-US" sz="2400" dirty="0" err="1" smtClean="0"/>
-              <a:t>gói</a:t>
-            </a:r>
-            <a:r>
-              <a:rPr lang="en-US" sz="2400" dirty="0" smtClean="0"/>
-              <a:t>/</a:t>
-            </a:r>
-            <a:r>
-              <a:rPr lang="en-US" sz="2400" dirty="0" err="1" smtClean="0"/>
-              <a:t>thành</a:t>
-            </a:r>
-            <a:r>
-              <a:rPr lang="en-US" sz="2400" dirty="0" smtClean="0"/>
-              <a:t> </a:t>
-            </a:r>
-            <a:r>
-              <a:rPr lang="en-US" sz="2400" dirty="0" err="1" smtClean="0"/>
-              <a:t>phần</a:t>
-            </a:r>
-            <a:r>
-              <a:rPr lang="en-US" sz="2400" dirty="0" smtClean="0"/>
-              <a:t> </a:t>
-            </a:r>
-            <a:r>
-              <a:rPr lang="en-US" sz="2400" dirty="0" err="1" smtClean="0"/>
-              <a:t>thư</a:t>
-            </a:r>
-            <a:r>
-              <a:rPr lang="en-US" sz="2400" dirty="0" smtClean="0"/>
-              <a:t> </a:t>
-            </a:r>
-            <a:r>
-              <a:rPr lang="en-US" sz="2400" dirty="0" err="1" smtClean="0"/>
-              <a:t>viện</a:t>
-            </a:r>
-            <a:r>
-              <a:rPr lang="en-US" sz="2400" dirty="0" smtClean="0"/>
-              <a:t> </a:t>
-            </a:r>
-            <a:r>
-              <a:rPr lang="en-US" sz="2400" dirty="0" err="1" smtClean="0"/>
-              <a:t>bằng</a:t>
-            </a:r>
-            <a:r>
-              <a:rPr lang="en-US" sz="2400" dirty="0" smtClean="0"/>
-              <a:t> </a:t>
-            </a:r>
-            <a:r>
-              <a:rPr lang="en-US" sz="2400" dirty="0" err="1" smtClean="0"/>
-              <a:t>ngôn</a:t>
-            </a:r>
-            <a:r>
-              <a:rPr lang="en-US" sz="2400" dirty="0" smtClean="0"/>
-              <a:t> </a:t>
-            </a:r>
-            <a:r>
-              <a:rPr lang="en-US" sz="2400" dirty="0" err="1" smtClean="0"/>
-              <a:t>ngữ</a:t>
-            </a:r>
-            <a:r>
-              <a:rPr lang="en-US" sz="2400" dirty="0" smtClean="0"/>
-              <a:t> C/C++ </a:t>
-            </a:r>
-            <a:r>
-              <a:rPr lang="en-US" sz="2400" dirty="0" err="1" smtClean="0"/>
-              <a:t>và</a:t>
-            </a:r>
-            <a:r>
-              <a:rPr lang="en-US" sz="2400" dirty="0" smtClean="0"/>
-              <a:t> </a:t>
-            </a:r>
-            <a:r>
-              <a:rPr lang="en-US" sz="2400" dirty="0" err="1" smtClean="0"/>
-              <a:t>tích</a:t>
-            </a:r>
-            <a:r>
-              <a:rPr lang="en-US" sz="2400" dirty="0" smtClean="0"/>
-              <a:t> </a:t>
-            </a:r>
-            <a:r>
-              <a:rPr lang="en-US" sz="2400" dirty="0" err="1" smtClean="0"/>
-              <a:t>hợp</a:t>
-            </a:r>
-            <a:r>
-              <a:rPr lang="en-US" sz="2400" dirty="0" smtClean="0"/>
-              <a:t> </a:t>
-            </a:r>
-            <a:r>
-              <a:rPr lang="en-US" sz="2400" dirty="0" err="1" smtClean="0"/>
-              <a:t>cho</a:t>
-            </a:r>
-            <a:r>
-              <a:rPr lang="en-US" sz="2400" dirty="0" smtClean="0"/>
-              <a:t> </a:t>
-            </a:r>
-            <a:r>
-              <a:rPr lang="en-US" sz="2400" dirty="0" err="1" smtClean="0"/>
-              <a:t>ứng</a:t>
-            </a:r>
-            <a:r>
-              <a:rPr lang="en-US" sz="2400" dirty="0" smtClean="0"/>
-              <a:t> </a:t>
-            </a:r>
-            <a:r>
-              <a:rPr lang="en-US" sz="2400" dirty="0" err="1" smtClean="0"/>
-              <a:t>dụng</a:t>
-            </a:r>
-            <a:r>
-              <a:rPr lang="en-US" sz="2400" dirty="0" smtClean="0"/>
-              <a:t> Android.</a:t>
-            </a:r>
-          </a:p>
-          <a:p>
-            <a:r>
-              <a:rPr lang="en-US" sz="2400" dirty="0" smtClean="0"/>
-              <a:t>NDK </a:t>
-            </a:r>
-            <a:r>
-              <a:rPr lang="en-US" sz="2400" dirty="0" err="1" smtClean="0"/>
-              <a:t>cung</a:t>
-            </a:r>
-            <a:r>
-              <a:rPr lang="en-US" sz="2400" dirty="0" smtClean="0"/>
-              <a:t> </a:t>
-            </a:r>
-            <a:r>
-              <a:rPr lang="en-US" sz="2400" dirty="0" err="1" smtClean="0"/>
-              <a:t>cấp</a:t>
-            </a:r>
-            <a:r>
-              <a:rPr lang="en-US" sz="2400" dirty="0" smtClean="0"/>
-              <a:t>: </a:t>
+              <a:rPr lang="en-US" sz="2400" smtClean="0"/>
+              <a:t>Native Development Kit (NDK) là bộ công cụ phát triển các gói/thành phần thư viện bằng ngôn ngữ C/C++ và tích hợp cho ứng dụng Android.</a:t>
+            </a:r>
+          </a:p>
+          <a:p>
+            <a:r>
+              <a:rPr lang="en-US" sz="2400" smtClean="0"/>
+              <a:t>NDK cung cấp: </a:t>
             </a:r>
           </a:p>
           <a:p>
             <a:pPr lvl="1"/>
             <a:r>
-              <a:rPr lang="en-US" sz="2000" dirty="0" err="1" smtClean="0"/>
-              <a:t>Bộ</a:t>
-            </a:r>
-            <a:r>
-              <a:rPr lang="en-US" sz="2000" dirty="0" smtClean="0"/>
-              <a:t> </a:t>
-            </a:r>
-            <a:r>
-              <a:rPr lang="en-US" sz="2000" dirty="0" err="1" smtClean="0"/>
-              <a:t>công</a:t>
-            </a:r>
-            <a:r>
-              <a:rPr lang="en-US" sz="2000" dirty="0" smtClean="0"/>
-              <a:t> </a:t>
-            </a:r>
-            <a:r>
-              <a:rPr lang="en-US" sz="2000" dirty="0" err="1" smtClean="0"/>
-              <a:t>cụ</a:t>
-            </a:r>
-            <a:r>
-              <a:rPr lang="en-US" sz="2000" dirty="0" smtClean="0"/>
-              <a:t> </a:t>
-            </a:r>
-            <a:r>
-              <a:rPr lang="en-US" sz="2000" dirty="0" err="1" smtClean="0"/>
-              <a:t>và</a:t>
-            </a:r>
-            <a:r>
-              <a:rPr lang="en-US" sz="2000" dirty="0" smtClean="0"/>
-              <a:t> </a:t>
-            </a:r>
-            <a:r>
-              <a:rPr lang="en-US" sz="2000" dirty="0" err="1" smtClean="0"/>
-              <a:t>các</a:t>
-            </a:r>
-            <a:r>
-              <a:rPr lang="en-US" sz="2000" dirty="0" smtClean="0"/>
-              <a:t> </a:t>
-            </a:r>
-            <a:r>
-              <a:rPr lang="en-US" sz="2000" dirty="0" err="1" smtClean="0"/>
-              <a:t>tập</a:t>
-            </a:r>
-            <a:r>
-              <a:rPr lang="en-US" sz="2000" dirty="0" smtClean="0"/>
-              <a:t> tin </a:t>
-            </a:r>
-            <a:r>
-              <a:rPr lang="en-US" sz="2000" dirty="0" err="1" smtClean="0"/>
-              <a:t>thực</a:t>
-            </a:r>
-            <a:r>
-              <a:rPr lang="en-US" sz="2000" dirty="0" smtClean="0"/>
-              <a:t> </a:t>
-            </a:r>
-            <a:r>
-              <a:rPr lang="en-US" sz="2000" dirty="0" err="1" smtClean="0"/>
-              <a:t>thi</a:t>
-            </a:r>
-            <a:r>
-              <a:rPr lang="en-US" sz="2000" dirty="0" smtClean="0"/>
-              <a:t> </a:t>
-            </a:r>
-            <a:r>
-              <a:rPr lang="en-US" sz="2000" dirty="0" err="1" smtClean="0"/>
-              <a:t>việc</a:t>
-            </a:r>
-            <a:r>
-              <a:rPr lang="en-US" sz="2000" dirty="0" smtClean="0"/>
-              <a:t> </a:t>
-            </a:r>
-            <a:r>
-              <a:rPr lang="en-US" sz="2000" dirty="0" err="1" smtClean="0"/>
-              <a:t>xây</a:t>
-            </a:r>
-            <a:r>
-              <a:rPr lang="en-US" sz="2000" dirty="0" smtClean="0"/>
-              <a:t> </a:t>
-            </a:r>
-            <a:r>
-              <a:rPr lang="en-US" sz="2000" dirty="0" err="1" smtClean="0"/>
-              <a:t>dựng</a:t>
-            </a:r>
-            <a:r>
-              <a:rPr lang="en-US" sz="2000" dirty="0" smtClean="0"/>
-              <a:t> </a:t>
-            </a:r>
-            <a:r>
-              <a:rPr lang="en-US" sz="2000" dirty="0" err="1" smtClean="0"/>
-              <a:t>các</a:t>
-            </a:r>
-            <a:r>
-              <a:rPr lang="en-US" sz="2000" dirty="0" smtClean="0"/>
-              <a:t> </a:t>
-            </a:r>
-            <a:r>
-              <a:rPr lang="en-US" sz="2000" dirty="0" err="1" smtClean="0"/>
-              <a:t>gói</a:t>
-            </a:r>
-            <a:r>
-              <a:rPr lang="en-US" sz="2000" dirty="0" smtClean="0"/>
-              <a:t> </a:t>
-            </a:r>
-            <a:r>
-              <a:rPr lang="en-US" sz="2000" dirty="0" err="1" smtClean="0"/>
-              <a:t>thư</a:t>
-            </a:r>
-            <a:r>
-              <a:rPr lang="en-US" sz="2000" dirty="0" smtClean="0"/>
-              <a:t> </a:t>
-            </a:r>
-            <a:r>
-              <a:rPr lang="en-US" sz="2000" dirty="0" err="1" smtClean="0"/>
-              <a:t>viện</a:t>
-            </a:r>
-            <a:r>
-              <a:rPr lang="en-US" sz="2000" dirty="0" smtClean="0"/>
-              <a:t> </a:t>
-            </a:r>
-            <a:r>
-              <a:rPr lang="en-US" sz="2000" dirty="0" err="1" smtClean="0"/>
-              <a:t>từ</a:t>
-            </a:r>
-            <a:r>
-              <a:rPr lang="en-US" sz="2000" dirty="0" smtClean="0"/>
-              <a:t> </a:t>
-            </a:r>
-            <a:r>
-              <a:rPr lang="en-US" sz="2000" dirty="0" err="1" smtClean="0"/>
-              <a:t>mã</a:t>
-            </a:r>
-            <a:r>
-              <a:rPr lang="en-US" sz="2000" dirty="0" smtClean="0"/>
-              <a:t> </a:t>
-            </a:r>
-            <a:r>
-              <a:rPr lang="en-US" sz="2000" dirty="0" err="1" smtClean="0"/>
-              <a:t>nguồn</a:t>
-            </a:r>
-            <a:r>
-              <a:rPr lang="en-US" sz="2000" dirty="0" smtClean="0"/>
-              <a:t> C/C++.</a:t>
+              <a:rPr lang="en-US" sz="2000" smtClean="0"/>
+              <a:t>Bộ công cụ và các tập tin thực thi việc xây dựng các gói thư viện từ mã nguồn C/C++.</a:t>
             </a:r>
           </a:p>
           <a:p>
             <a:pPr lvl="1"/>
             <a:r>
-              <a:rPr lang="en-US" sz="2000" dirty="0" smtClean="0"/>
-              <a:t>Cho </a:t>
-            </a:r>
-            <a:r>
-              <a:rPr lang="en-US" sz="2000" dirty="0" err="1" smtClean="0"/>
-              <a:t>phép</a:t>
-            </a:r>
-            <a:r>
-              <a:rPr lang="en-US" sz="2000" dirty="0" smtClean="0"/>
-              <a:t> </a:t>
-            </a:r>
-            <a:r>
-              <a:rPr lang="en-US" sz="2000" dirty="0" err="1" smtClean="0"/>
-              <a:t>tích</a:t>
-            </a:r>
-            <a:r>
-              <a:rPr lang="en-US" sz="2000" dirty="0" smtClean="0"/>
-              <a:t> </a:t>
-            </a:r>
-            <a:r>
-              <a:rPr lang="en-US" sz="2000" dirty="0" err="1" smtClean="0"/>
-              <a:t>hợp</a:t>
-            </a:r>
-            <a:r>
-              <a:rPr lang="en-US" sz="2000" dirty="0" smtClean="0"/>
-              <a:t> 1 </a:t>
-            </a:r>
-            <a:r>
-              <a:rPr lang="en-US" sz="2000" dirty="0" err="1" smtClean="0"/>
-              <a:t>hoặc</a:t>
-            </a:r>
-            <a:r>
-              <a:rPr lang="en-US" sz="2000" dirty="0" smtClean="0"/>
-              <a:t> </a:t>
-            </a:r>
-            <a:r>
-              <a:rPr lang="en-US" sz="2000" dirty="0" err="1" smtClean="0"/>
-              <a:t>nhiều</a:t>
-            </a:r>
-            <a:r>
-              <a:rPr lang="en-US" sz="2000" dirty="0" smtClean="0"/>
-              <a:t> </a:t>
-            </a:r>
-            <a:r>
-              <a:rPr lang="en-US" sz="2000" dirty="0" err="1" smtClean="0"/>
-              <a:t>thành</a:t>
-            </a:r>
-            <a:r>
-              <a:rPr lang="en-US" sz="2000" dirty="0" smtClean="0"/>
-              <a:t> </a:t>
-            </a:r>
-            <a:r>
-              <a:rPr lang="en-US" sz="2000" dirty="0" err="1" smtClean="0"/>
-              <a:t>phần</a:t>
-            </a:r>
-            <a:r>
-              <a:rPr lang="en-US" sz="2000" dirty="0" smtClean="0"/>
-              <a:t> </a:t>
-            </a:r>
-            <a:r>
-              <a:rPr lang="en-US" sz="2000" dirty="0" err="1" smtClean="0"/>
-              <a:t>thư</a:t>
-            </a:r>
-            <a:r>
-              <a:rPr lang="en-US" sz="2000" dirty="0" smtClean="0"/>
-              <a:t> </a:t>
-            </a:r>
-            <a:r>
-              <a:rPr lang="en-US" sz="2000" dirty="0" err="1" smtClean="0"/>
-              <a:t>viện</a:t>
-            </a:r>
-            <a:r>
-              <a:rPr lang="en-US" sz="2000" dirty="0" smtClean="0"/>
-              <a:t> </a:t>
-            </a:r>
-            <a:r>
-              <a:rPr lang="en-US" sz="2000" dirty="0" err="1" smtClean="0"/>
-              <a:t>vào</a:t>
-            </a:r>
-            <a:r>
-              <a:rPr lang="en-US" sz="2000" dirty="0" smtClean="0"/>
-              <a:t> </a:t>
-            </a:r>
-            <a:r>
-              <a:rPr lang="en-US" sz="2000" dirty="0" err="1" smtClean="0"/>
-              <a:t>trong</a:t>
-            </a:r>
-            <a:r>
-              <a:rPr lang="en-US" sz="2000" dirty="0" smtClean="0"/>
-              <a:t> </a:t>
-            </a:r>
-            <a:r>
-              <a:rPr lang="en-US" sz="2000" dirty="0" err="1" smtClean="0"/>
-              <a:t>gói</a:t>
-            </a:r>
-            <a:r>
-              <a:rPr lang="en-US" sz="2000" dirty="0" smtClean="0"/>
-              <a:t> </a:t>
-            </a:r>
-            <a:r>
-              <a:rPr lang="en-US" sz="2000" dirty="0" err="1" smtClean="0"/>
-              <a:t>ứng</a:t>
-            </a:r>
-            <a:r>
-              <a:rPr lang="en-US" sz="2000" dirty="0" smtClean="0"/>
-              <a:t> </a:t>
-            </a:r>
-            <a:r>
-              <a:rPr lang="en-US" sz="2000" dirty="0" err="1" smtClean="0"/>
-              <a:t>dụng</a:t>
-            </a:r>
-            <a:r>
-              <a:rPr lang="en-US" sz="2000" dirty="0" smtClean="0"/>
-              <a:t> Android (.</a:t>
-            </a:r>
-            <a:r>
-              <a:rPr lang="en-US" sz="2000" dirty="0" err="1" smtClean="0"/>
-              <a:t>apk</a:t>
-            </a:r>
-            <a:r>
-              <a:rPr lang="en-US" sz="2000" dirty="0" smtClean="0"/>
-              <a:t>)</a:t>
+              <a:rPr lang="en-US" sz="2000" smtClean="0"/>
+              <a:t>Cho phép tích hợp 1 hoặc nhiều thành phần thư viện vào trong gói ứng dụng Android (.apk)</a:t>
             </a:r>
           </a:p>
           <a:p>
             <a:pPr lvl="1"/>
             <a:r>
-              <a:rPr lang="en-US" sz="2000" dirty="0" err="1" smtClean="0"/>
-              <a:t>Các</a:t>
-            </a:r>
-            <a:r>
-              <a:rPr lang="en-US" sz="2000" dirty="0" smtClean="0"/>
-              <a:t> </a:t>
-            </a:r>
-            <a:r>
-              <a:rPr lang="en-US" sz="2000" dirty="0" err="1" smtClean="0"/>
-              <a:t>bộ</a:t>
-            </a:r>
-            <a:r>
-              <a:rPr lang="en-US" sz="2000" dirty="0" smtClean="0"/>
-              <a:t> </a:t>
-            </a:r>
-            <a:r>
-              <a:rPr lang="en-US" sz="2000" dirty="0" err="1" smtClean="0"/>
-              <a:t>tập</a:t>
-            </a:r>
-            <a:r>
-              <a:rPr lang="en-US" sz="2000" dirty="0" smtClean="0"/>
-              <a:t> tin .h, </a:t>
-            </a:r>
-            <a:r>
-              <a:rPr lang="en-US" sz="2000" dirty="0" err="1" smtClean="0"/>
-              <a:t>tài</a:t>
-            </a:r>
-            <a:r>
-              <a:rPr lang="en-US" sz="2000" dirty="0" smtClean="0"/>
-              <a:t> </a:t>
-            </a:r>
-            <a:r>
-              <a:rPr lang="en-US" sz="2000" dirty="0" err="1" smtClean="0"/>
-              <a:t>liệu</a:t>
-            </a:r>
-            <a:r>
-              <a:rPr lang="en-US" sz="2000" dirty="0" smtClean="0"/>
-              <a:t> </a:t>
-            </a:r>
-            <a:r>
-              <a:rPr lang="en-US" sz="2000" dirty="0" err="1" smtClean="0"/>
-              <a:t>hướng</a:t>
-            </a:r>
-            <a:r>
-              <a:rPr lang="en-US" sz="2000" dirty="0" smtClean="0"/>
-              <a:t> </a:t>
-            </a:r>
-            <a:r>
-              <a:rPr lang="en-US" sz="2000" dirty="0" err="1" smtClean="0"/>
-              <a:t>dẫn</a:t>
-            </a:r>
-            <a:r>
-              <a:rPr lang="en-US" sz="2000" dirty="0" smtClean="0"/>
-              <a:t> </a:t>
-            </a:r>
-            <a:r>
-              <a:rPr lang="en-US" sz="2000" dirty="0" err="1" smtClean="0"/>
-              <a:t>và</a:t>
-            </a:r>
-            <a:r>
-              <a:rPr lang="en-US" sz="2000" dirty="0" smtClean="0"/>
-              <a:t> </a:t>
-            </a:r>
-            <a:r>
-              <a:rPr lang="en-US" sz="2000" dirty="0" err="1" smtClean="0"/>
-              <a:t>mã</a:t>
-            </a:r>
-            <a:r>
-              <a:rPr lang="en-US" sz="2000" dirty="0" smtClean="0"/>
-              <a:t> </a:t>
-            </a:r>
-            <a:r>
-              <a:rPr lang="en-US" sz="2000" dirty="0" err="1" smtClean="0"/>
-              <a:t>nguồn</a:t>
-            </a:r>
-            <a:r>
-              <a:rPr lang="en-US" sz="2000" dirty="0" smtClean="0"/>
-              <a:t> </a:t>
-            </a:r>
-            <a:r>
-              <a:rPr lang="en-US" sz="2000" dirty="0" err="1" smtClean="0"/>
-              <a:t>mẫu</a:t>
-            </a:r>
-            <a:r>
-              <a:rPr lang="en-US" sz="2000" dirty="0" smtClean="0"/>
-              <a:t> </a:t>
-            </a:r>
-            <a:r>
-              <a:rPr lang="en-US" sz="2000" dirty="0" err="1" smtClean="0"/>
-              <a:t>hỗ</a:t>
-            </a:r>
-            <a:r>
-              <a:rPr lang="en-US" sz="2000" dirty="0" smtClean="0"/>
-              <a:t> </a:t>
-            </a:r>
-            <a:r>
-              <a:rPr lang="en-US" sz="2000" dirty="0" err="1" smtClean="0"/>
-              <a:t>trợ</a:t>
-            </a:r>
-            <a:r>
-              <a:rPr lang="en-US" sz="2000" dirty="0" smtClean="0"/>
-              <a:t> </a:t>
-            </a:r>
-            <a:r>
-              <a:rPr lang="en-US" sz="2000" dirty="0" err="1" smtClean="0"/>
-              <a:t>cho</a:t>
-            </a:r>
-            <a:r>
-              <a:rPr lang="en-US" sz="2000" dirty="0" smtClean="0"/>
-              <a:t> </a:t>
-            </a:r>
-            <a:r>
-              <a:rPr lang="en-US" sz="2000" dirty="0" err="1" smtClean="0"/>
-              <a:t>người</a:t>
-            </a:r>
-            <a:r>
-              <a:rPr lang="en-US" sz="2000" dirty="0" smtClean="0"/>
-              <a:t> </a:t>
-            </a:r>
-            <a:r>
-              <a:rPr lang="en-US" sz="2000" dirty="0" err="1" smtClean="0"/>
-              <a:t>lập</a:t>
-            </a:r>
-            <a:r>
-              <a:rPr lang="en-US" sz="2000" dirty="0" smtClean="0"/>
-              <a:t> </a:t>
-            </a:r>
-            <a:r>
-              <a:rPr lang="en-US" sz="2000" dirty="0" err="1" smtClean="0"/>
-              <a:t>trình</a:t>
-            </a:r>
-            <a:r>
-              <a:rPr lang="en-US" sz="2000" dirty="0" smtClean="0"/>
-              <a:t>.</a:t>
-            </a:r>
-            <a:endParaRPr lang="en-US" sz="2000" dirty="0"/>
-          </a:p>
-        </p:txBody>
-      </p:sp>
-      <p:sp>
-        <p:nvSpPr>
-          <p:cNvPr id="4" name="Date Placeholder 3"/>
+              <a:rPr lang="en-US" sz="2000" smtClean="0"/>
+              <a:t>Các bộ tập tin .h, tài liệu hướng dẫn và mã nguồn mẫu hỗ trợ cho người lập trình.</a:t>
+            </a:r>
+          </a:p>
+        </p:txBody>
+      </p:sp>
+      <p:sp>
+        <p:nvSpPr>
+          <p:cNvPr id="18435" name="Date Placeholder 3"/>
           <p:cNvSpPr>
             <a:spLocks noGrp="1"/>
           </p:cNvSpPr>
           <p:nvPr>
-            <p:ph type="dt" sz="half" idx="10"/>
-          </p:nvPr>
-        </p:nvSpPr>
-        <p:spPr/>
+            <p:ph type="dt" sz="quarter" idx="10"/>
+          </p:nvPr>
+        </p:nvSpPr>
+        <p:spPr>
+          <a:noFill/>
+        </p:spPr>
         <p:txBody>
           <a:bodyPr/>
           <a:lstStyle/>
           <a:p>
-            <a:pPr>
-              <a:defRPr/>
-            </a:pPr>
-            <a:fld id="{D86BDA05-886F-4BEB-8934-0E21CCB7EEA5}" type="datetime1">
+            <a:fld id="{E3147E24-A541-4CD8-9249-C83E66CD0C53}" type="datetime1">
               <a:rPr lang="vi-VN" smtClean="0"/>
-              <a:pPr>
-                <a:defRPr/>
-              </a:pPr>
+              <a:pPr/>
               <a:t>23/11/2011</a:t>
             </a:fld>
-            <a:endParaRPr lang="en-US"/>
-          </a:p>
-        </p:txBody>
-      </p:sp>
-      <p:sp>
-        <p:nvSpPr>
-          <p:cNvPr id="5" name="Footer Placeholder 4"/>
+            <a:endParaRPr lang="en-US" smtClean="0"/>
+          </a:p>
+        </p:txBody>
+      </p:sp>
+      <p:sp>
+        <p:nvSpPr>
+          <p:cNvPr id="18436" name="Footer Placeholder 4"/>
           <p:cNvSpPr>
             <a:spLocks noGrp="1"/>
           </p:cNvSpPr>
@@ -6353,25 +5731,23 @@
             <p:ph type="ftr" sz="quarter" idx="11"/>
           </p:nvPr>
         </p:nvSpPr>
-        <p:spPr/>
+        <p:spPr>
+          <a:noFill/>
+        </p:spPr>
         <p:txBody>
           <a:bodyPr/>
           <a:lstStyle/>
           <a:p>
-            <a:pPr>
-              <a:defRPr/>
-            </a:pPr>
             <a:r>
               <a:rPr lang="en-US" smtClean="0"/>
               <a:t>Trung Tâm Tin Học - ĐH KHTN         ĐH QG TP.HCM</a:t>
             </a:r>
-            <a:endParaRPr lang="en-US"/>
-          </a:p>
-        </p:txBody>
-      </p:sp>
-      <p:sp>
-        <p:nvSpPr>
-          <p:cNvPr id="6" name="Slide Number Placeholder 5"/>
+          </a:p>
+        </p:txBody>
+      </p:sp>
+      <p:sp>
+        <p:nvSpPr>
+          <p:cNvPr id="18437" name="Slide Number Placeholder 5"/>
           <p:cNvSpPr>
             <a:spLocks noGrp="1"/>
           </p:cNvSpPr>
@@ -6379,22 +5755,19 @@
             <p:ph type="sldNum" sz="quarter" idx="12"/>
           </p:nvPr>
         </p:nvSpPr>
-        <p:spPr/>
+        <p:spPr>
+          <a:noFill/>
+        </p:spPr>
         <p:txBody>
           <a:bodyPr/>
           <a:lstStyle/>
           <a:p>
-            <a:pPr>
-              <a:defRPr/>
-            </a:pPr>
-            <a:fld id="{FAD8CA80-D256-40E5-B64B-EBBE75738043}" type="slidenum">
-              <a:rPr lang="en-US" smtClean="0"/>
-              <a:pPr>
-                <a:defRPr/>
-              </a:pPr>
+            <a:fld id="{CDB2E5D2-5F62-4EDC-9BA4-E1C0A37FEE8F}" type="slidenum">
+              <a:rPr lang="en-US" smtClean="0"/>
+              <a:pPr/>
               <a:t>3</a:t>
             </a:fld>
-            <a:endParaRPr lang="en-US"/>
+            <a:endParaRPr lang="en-US" smtClean="0"/>
           </a:p>
         </p:txBody>
       </p:sp>
@@ -6425,7 +5798,7 @@
       </p:grpSpPr>
       <p:sp>
         <p:nvSpPr>
-          <p:cNvPr id="2" name="Title 1"/>
+          <p:cNvPr id="19457" name="Title 1"/>
           <p:cNvSpPr>
             <a:spLocks noGrp="1"/>
           </p:cNvSpPr>
@@ -6445,32 +5818,15 @@
           <a:p>
             <a:pPr algn="r"/>
             <a:r>
-              <a:rPr lang="en-US" dirty="0" smtClean="0"/>
-              <a:t>NDK </a:t>
-            </a:r>
-            <a:r>
-              <a:rPr lang="en-US" dirty="0" err="1" smtClean="0"/>
-              <a:t>là</a:t>
-            </a:r>
-            <a:r>
-              <a:rPr lang="en-US" dirty="0" smtClean="0"/>
-              <a:t> </a:t>
-            </a:r>
-            <a:r>
-              <a:rPr lang="en-US" dirty="0" err="1" smtClean="0"/>
-              <a:t>gì</a:t>
-            </a:r>
-            <a:r>
-              <a:rPr lang="en-US" dirty="0" smtClean="0"/>
-              <a:t>?</a:t>
-            </a:r>
-            <a:endParaRPr lang="en-US" dirty="0"/>
-          </a:p>
-        </p:txBody>
-      </p:sp>
-      <p:sp>
-        <p:nvSpPr>
-          <p:cNvPr id="3" name="Content Placeholder 2"/>
+              <a:rPr lang="en-US" smtClean="0"/>
+              <a:t>NDK là gì?</a:t>
+            </a:r>
+          </a:p>
+        </p:txBody>
+      </p:sp>
+      <p:sp>
+        <p:nvSpPr>
+          <p:cNvPr id="19458" name="Content Placeholder 2"/>
           <p:cNvSpPr>
             <a:spLocks noGrp="1"/>
           </p:cNvSpPr>
@@ -6484,269 +5840,89 @@
           <a:lstStyle/>
           <a:p>
             <a:r>
-              <a:rPr lang="en-US" sz="2400" dirty="0" err="1" smtClean="0"/>
-              <a:t>Hiện</a:t>
-            </a:r>
-            <a:r>
-              <a:rPr lang="en-US" sz="2400" dirty="0" smtClean="0"/>
-              <a:t> </a:t>
-            </a:r>
-            <a:r>
-              <a:rPr lang="en-US" sz="2400" dirty="0" err="1" smtClean="0"/>
-              <a:t>tại</a:t>
-            </a:r>
-            <a:r>
-              <a:rPr lang="en-US" sz="2400" dirty="0" smtClean="0"/>
-              <a:t>, NDK </a:t>
-            </a:r>
-            <a:r>
-              <a:rPr lang="en-US" sz="2400" dirty="0" err="1" smtClean="0"/>
-              <a:t>hỗ</a:t>
-            </a:r>
-            <a:r>
-              <a:rPr lang="en-US" sz="2400" dirty="0" smtClean="0"/>
-              <a:t> </a:t>
-            </a:r>
-            <a:r>
-              <a:rPr lang="en-US" sz="2400" dirty="0" err="1" smtClean="0"/>
-              <a:t>trợ</a:t>
-            </a:r>
-            <a:r>
-              <a:rPr lang="en-US" sz="2400" dirty="0" smtClean="0"/>
-              <a:t> </a:t>
-            </a:r>
-            <a:r>
-              <a:rPr lang="en-US" sz="2400" dirty="0" err="1" smtClean="0"/>
-              <a:t>các</a:t>
-            </a:r>
-            <a:r>
-              <a:rPr lang="en-US" sz="2400" dirty="0" smtClean="0"/>
-              <a:t> </a:t>
-            </a:r>
-            <a:r>
-              <a:rPr lang="en-US" sz="2400" dirty="0" err="1" smtClean="0"/>
-              <a:t>loại</a:t>
-            </a:r>
-            <a:r>
-              <a:rPr lang="en-US" sz="2400" dirty="0" smtClean="0"/>
-              <a:t> </a:t>
-            </a:r>
-            <a:r>
-              <a:rPr lang="en-US" sz="2400" dirty="0" err="1" smtClean="0"/>
-              <a:t>bộ</a:t>
-            </a:r>
-            <a:r>
-              <a:rPr lang="en-US" sz="2400" dirty="0" smtClean="0"/>
-              <a:t> </a:t>
-            </a:r>
-            <a:r>
-              <a:rPr lang="en-US" sz="2400" dirty="0" err="1" smtClean="0"/>
-              <a:t>xử</a:t>
-            </a:r>
-            <a:r>
-              <a:rPr lang="en-US" sz="2400" dirty="0" smtClean="0"/>
-              <a:t> </a:t>
-            </a:r>
-            <a:r>
-              <a:rPr lang="en-US" sz="2400" dirty="0" err="1" smtClean="0"/>
-              <a:t>lý</a:t>
-            </a:r>
-            <a:r>
-              <a:rPr lang="en-US" sz="2400" dirty="0" smtClean="0"/>
-              <a:t>: </a:t>
+              <a:rPr lang="en-US" sz="2400" smtClean="0"/>
+              <a:t>Hiện tại, NDK hỗ trợ các loại bộ xử lý: </a:t>
             </a:r>
           </a:p>
           <a:p>
             <a:pPr lvl="1"/>
             <a:r>
-              <a:rPr lang="en-US" sz="2000" dirty="0" smtClean="0"/>
+              <a:rPr lang="en-US" sz="2000" smtClean="0"/>
               <a:t>ARMv5TE (including Thumb-1 instructions)</a:t>
             </a:r>
           </a:p>
           <a:p>
             <a:pPr lvl="1"/>
             <a:r>
-              <a:rPr lang="en-US" sz="2000" dirty="0" smtClean="0"/>
+              <a:rPr lang="en-US" sz="2000" smtClean="0"/>
               <a:t>ARMv7-A (including Thumb-2 and VFPv3-D16 instructions, with optional support for NEON/VFPv3-D32 instructions)</a:t>
             </a:r>
           </a:p>
           <a:p>
             <a:pPr lvl="1"/>
             <a:r>
-              <a:rPr lang="en-US" sz="2000" dirty="0" smtClean="0"/>
+              <a:rPr lang="en-US" sz="2000" smtClean="0"/>
               <a:t>x86 instructions (see CPU-ARCH-ABIS.HTML for more information)</a:t>
             </a:r>
           </a:p>
           <a:p>
             <a:r>
-              <a:rPr lang="en-US" sz="2400" dirty="0" smtClean="0"/>
-              <a:t>NDK </a:t>
-            </a:r>
-            <a:r>
-              <a:rPr lang="en-US" sz="2400" dirty="0" err="1" smtClean="0"/>
-              <a:t>hỗ</a:t>
-            </a:r>
-            <a:r>
-              <a:rPr lang="en-US" sz="2400" dirty="0" smtClean="0"/>
-              <a:t> </a:t>
-            </a:r>
-            <a:r>
-              <a:rPr lang="en-US" sz="2400" dirty="0" err="1" smtClean="0"/>
-              <a:t>trợ</a:t>
-            </a:r>
-            <a:r>
-              <a:rPr lang="en-US" sz="2400" dirty="0" smtClean="0"/>
-              <a:t> </a:t>
-            </a:r>
-            <a:r>
-              <a:rPr lang="en-US" sz="2400" dirty="0" err="1" smtClean="0"/>
-              <a:t>cố</a:t>
-            </a:r>
-            <a:r>
-              <a:rPr lang="en-US" sz="2400" dirty="0" smtClean="0"/>
-              <a:t> </a:t>
-            </a:r>
-            <a:r>
-              <a:rPr lang="en-US" sz="2400" dirty="0" err="1" smtClean="0"/>
-              <a:t>định</a:t>
-            </a:r>
-            <a:r>
-              <a:rPr lang="en-US" sz="2400" dirty="0" smtClean="0"/>
-              <a:t> .h </a:t>
-            </a:r>
-            <a:r>
-              <a:rPr lang="en-US" sz="2400" dirty="0" err="1" smtClean="0"/>
-              <a:t>cho</a:t>
-            </a:r>
-            <a:r>
-              <a:rPr lang="en-US" sz="2400" dirty="0" smtClean="0"/>
-              <a:t> </a:t>
-            </a:r>
-            <a:r>
-              <a:rPr lang="en-US" sz="2400" dirty="0" err="1" smtClean="0"/>
-              <a:t>các</a:t>
-            </a:r>
-            <a:r>
-              <a:rPr lang="en-US" sz="2400" dirty="0" smtClean="0"/>
-              <a:t> </a:t>
-            </a:r>
-            <a:r>
-              <a:rPr lang="en-US" sz="2400" dirty="0" err="1" smtClean="0"/>
-              <a:t>thư</a:t>
-            </a:r>
-            <a:r>
-              <a:rPr lang="en-US" sz="2400" dirty="0" smtClean="0"/>
-              <a:t> </a:t>
-            </a:r>
-            <a:r>
-              <a:rPr lang="en-US" sz="2400" dirty="0" err="1" smtClean="0"/>
-              <a:t>viện</a:t>
-            </a:r>
-            <a:r>
-              <a:rPr lang="en-US" sz="2400" dirty="0" smtClean="0"/>
-              <a:t> </a:t>
-            </a:r>
-            <a:r>
-              <a:rPr lang="en-US" sz="2400" dirty="0" err="1" smtClean="0"/>
-              <a:t>như</a:t>
-            </a:r>
-            <a:r>
-              <a:rPr lang="en-US" sz="2400" dirty="0" smtClean="0"/>
-              <a:t>:</a:t>
+              <a:rPr lang="en-US" sz="2400" smtClean="0"/>
+              <a:t>NDK hỗ trợ cố định .h cho các thư viện như:</a:t>
             </a:r>
           </a:p>
           <a:p>
             <a:pPr lvl="1"/>
             <a:r>
-              <a:rPr lang="en-US" sz="2000" dirty="0" err="1" smtClean="0"/>
-              <a:t>libc</a:t>
-            </a:r>
-            <a:r>
-              <a:rPr lang="en-US" sz="2000" dirty="0" smtClean="0"/>
-              <a:t> (the C library</a:t>
-            </a:r>
-            <a:r>
-              <a:rPr lang="en-US" sz="2000" dirty="0" smtClean="0"/>
-              <a:t>), </a:t>
-            </a:r>
-            <a:r>
-              <a:rPr lang="en-US" sz="2000" dirty="0" err="1" smtClean="0"/>
-              <a:t>libm</a:t>
-            </a:r>
-            <a:r>
-              <a:rPr lang="en-US" sz="2000" dirty="0" smtClean="0"/>
-              <a:t> </a:t>
-            </a:r>
-            <a:r>
-              <a:rPr lang="en-US" sz="2000" dirty="0" smtClean="0"/>
-              <a:t>(the Math library</a:t>
-            </a:r>
-            <a:r>
-              <a:rPr lang="en-US" sz="2000" dirty="0" smtClean="0"/>
-              <a:t>).</a:t>
+              <a:rPr lang="en-US" sz="2000" smtClean="0"/>
+              <a:t>libc (the C library), libm (the Math library).</a:t>
             </a:r>
           </a:p>
           <a:p>
             <a:pPr lvl="1"/>
             <a:r>
-              <a:rPr lang="en-US" sz="2000" dirty="0" smtClean="0"/>
-              <a:t>OpenGL </a:t>
-            </a:r>
-            <a:r>
-              <a:rPr lang="en-US" sz="2000" dirty="0" smtClean="0"/>
-              <a:t>ES (3D graphics </a:t>
-            </a:r>
-            <a:r>
-              <a:rPr lang="en-US" sz="2000" dirty="0" smtClean="0"/>
-              <a:t>library).</a:t>
+              <a:rPr lang="en-US" sz="2000" smtClean="0"/>
+              <a:t>OpenGL ES (3D graphics library).</a:t>
             </a:r>
           </a:p>
           <a:p>
             <a:pPr lvl="1"/>
             <a:r>
-              <a:rPr lang="en-US" sz="2000" dirty="0" smtClean="0"/>
-              <a:t>The </a:t>
-            </a:r>
-            <a:r>
-              <a:rPr lang="en-US" sz="2000" dirty="0" smtClean="0"/>
-              <a:t>JNI interface, and other</a:t>
-            </a:r>
-            <a:endParaRPr lang="en-US" sz="2000" dirty="0"/>
-          </a:p>
-        </p:txBody>
-      </p:sp>
-      <p:sp>
-        <p:nvSpPr>
-          <p:cNvPr id="4" name="Date Placeholder 3"/>
+              <a:rPr lang="en-US" sz="2000" smtClean="0"/>
+              <a:t>The JNI interface, and other</a:t>
+            </a:r>
+          </a:p>
+        </p:txBody>
+      </p:sp>
+      <p:sp>
+        <p:nvSpPr>
+          <p:cNvPr id="19459" name="Date Placeholder 3"/>
           <p:cNvSpPr>
             <a:spLocks noGrp="1"/>
           </p:cNvSpPr>
           <p:nvPr>
-            <p:ph type="dt" sz="half" idx="10"/>
-          </p:nvPr>
-        </p:nvSpPr>
-        <p:spPr/>
+            <p:ph type="dt" sz="quarter" idx="10"/>
+          </p:nvPr>
+        </p:nvSpPr>
+        <p:spPr>
+          <a:noFill/>
+        </p:spPr>
         <p:txBody>
           <a:bodyPr/>
           <a:lstStyle/>
           <a:p>
-            <a:pPr>
-              <a:defRPr/>
-            </a:pPr>
-            <a:fld id="{D86BDA05-886F-4BEB-8934-0E21CCB7EEA5}" type="datetime1">
+            <a:fld id="{440AB1E4-2E80-4654-80D0-5DA944A94E5A}" type="datetime1">
               <a:rPr lang="vi-VN" smtClean="0"/>
-              <a:pPr>
-                <a:defRPr/>
-              </a:pPr>
+              <a:pPr/>
               <a:t>23/11/2011</a:t>
             </a:fld>
-            <a:endParaRPr lang="en-US"/>
-          </a:p>
-        </p:txBody>
-      </p:sp>
-      <p:sp>
-        <p:nvSpPr>
-          <p:cNvPr id="5" name="Footer Placeholder 4"/>
+            <a:endParaRPr lang="en-US" smtClean="0"/>
+          </a:p>
+        </p:txBody>
+      </p:sp>
+      <p:sp>
+        <p:nvSpPr>
+          <p:cNvPr id="19460" name="Footer Placeholder 4"/>
           <p:cNvSpPr>
             <a:spLocks noGrp="1"/>
           </p:cNvSpPr>
@@ -6754,25 +5930,23 @@
             <p:ph type="ftr" sz="quarter" idx="11"/>
           </p:nvPr>
         </p:nvSpPr>
-        <p:spPr/>
+        <p:spPr>
+          <a:noFill/>
+        </p:spPr>
         <p:txBody>
           <a:bodyPr/>
           <a:lstStyle/>
           <a:p>
-            <a:pPr>
-              <a:defRPr/>
-            </a:pPr>
             <a:r>
               <a:rPr lang="en-US" smtClean="0"/>
               <a:t>Trung Tâm Tin Học - ĐH KHTN         ĐH QG TP.HCM</a:t>
             </a:r>
-            <a:endParaRPr lang="en-US"/>
-          </a:p>
-        </p:txBody>
-      </p:sp>
-      <p:sp>
-        <p:nvSpPr>
-          <p:cNvPr id="6" name="Slide Number Placeholder 5"/>
+          </a:p>
+        </p:txBody>
+      </p:sp>
+      <p:sp>
+        <p:nvSpPr>
+          <p:cNvPr id="19461" name="Slide Number Placeholder 5"/>
           <p:cNvSpPr>
             <a:spLocks noGrp="1"/>
           </p:cNvSpPr>
@@ -6780,22 +5954,19 @@
             <p:ph type="sldNum" sz="quarter" idx="12"/>
           </p:nvPr>
         </p:nvSpPr>
-        <p:spPr/>
+        <p:spPr>
+          <a:noFill/>
+        </p:spPr>
         <p:txBody>
           <a:bodyPr/>
           <a:lstStyle/>
           <a:p>
-            <a:pPr>
-              <a:defRPr/>
-            </a:pPr>
-            <a:fld id="{FAD8CA80-D256-40E5-B64B-EBBE75738043}" type="slidenum">
-              <a:rPr lang="en-US" smtClean="0"/>
-              <a:pPr>
-                <a:defRPr/>
-              </a:pPr>
+            <a:fld id="{4A1E6158-C144-428E-B898-FBB772D9AE3D}" type="slidenum">
+              <a:rPr lang="en-US" smtClean="0"/>
+              <a:pPr/>
               <a:t>4</a:t>
             </a:fld>
-            <a:endParaRPr lang="en-US"/>
+            <a:endParaRPr lang="en-US" smtClean="0"/>
           </a:p>
         </p:txBody>
       </p:sp>
@@ -6826,7 +5997,7 @@
       </p:grpSpPr>
       <p:sp>
         <p:nvSpPr>
-          <p:cNvPr id="2" name="Title 1"/>
+          <p:cNvPr id="20481" name="Title 1"/>
           <p:cNvSpPr>
             <a:spLocks noGrp="1"/>
           </p:cNvSpPr>
@@ -6846,36 +6017,15 @@
           <a:p>
             <a:pPr algn="r"/>
             <a:r>
-              <a:rPr lang="en-US" dirty="0" err="1" smtClean="0"/>
-              <a:t>Khi</a:t>
-            </a:r>
-            <a:r>
-              <a:rPr lang="en-US" dirty="0" smtClean="0"/>
-              <a:t> </a:t>
-            </a:r>
-            <a:r>
-              <a:rPr lang="en-US" dirty="0" err="1" smtClean="0"/>
-              <a:t>nào</a:t>
-            </a:r>
-            <a:r>
-              <a:rPr lang="en-US" dirty="0" smtClean="0"/>
-              <a:t> </a:t>
-            </a:r>
-            <a:r>
-              <a:rPr lang="en-US" dirty="0" err="1" smtClean="0"/>
-              <a:t>cần</a:t>
-            </a:r>
-            <a:r>
-              <a:rPr lang="en-US" dirty="0" smtClean="0"/>
-              <a:t> NDK</a:t>
-            </a:r>
-            <a:endParaRPr lang="en-US" dirty="0"/>
-          </a:p>
-        </p:txBody>
-      </p:sp>
-      <p:sp>
-        <p:nvSpPr>
-          <p:cNvPr id="3" name="Content Placeholder 2"/>
+              <a:rPr lang="en-US" smtClean="0"/>
+              <a:t>Khi nào cần NDK</a:t>
+            </a:r>
+          </a:p>
+        </p:txBody>
+      </p:sp>
+      <p:sp>
+        <p:nvSpPr>
+          <p:cNvPr id="20482" name="Content Placeholder 2"/>
           <p:cNvSpPr>
             <a:spLocks noGrp="1"/>
           </p:cNvSpPr>
@@ -6889,532 +6039,68 @@
           <a:lstStyle/>
           <a:p>
             <a:r>
-              <a:rPr lang="en-US" dirty="0" err="1" smtClean="0"/>
-              <a:t>Các</a:t>
-            </a:r>
-            <a:r>
-              <a:rPr lang="en-US" dirty="0" smtClean="0"/>
-              <a:t> </a:t>
-            </a:r>
-            <a:r>
-              <a:rPr lang="en-US" dirty="0" err="1" smtClean="0"/>
-              <a:t>trường</a:t>
-            </a:r>
-            <a:r>
-              <a:rPr lang="en-US" dirty="0" smtClean="0"/>
-              <a:t> </a:t>
-            </a:r>
-            <a:r>
-              <a:rPr lang="en-US" dirty="0" err="1" smtClean="0"/>
-              <a:t>hợp</a:t>
-            </a:r>
-            <a:r>
-              <a:rPr lang="en-US" dirty="0" smtClean="0"/>
-              <a:t> </a:t>
-            </a:r>
-            <a:r>
-              <a:rPr lang="en-US" dirty="0" err="1" smtClean="0"/>
-              <a:t>dùng</a:t>
-            </a:r>
-            <a:r>
-              <a:rPr lang="en-US" dirty="0" smtClean="0"/>
-              <a:t> NDK: </a:t>
+              <a:rPr lang="en-US" smtClean="0"/>
+              <a:t>Các trường hợp dùng NDK: </a:t>
             </a:r>
           </a:p>
           <a:p>
             <a:pPr lvl="1"/>
             <a:r>
-              <a:rPr lang="en-US" dirty="0" err="1" smtClean="0"/>
-              <a:t>Xử</a:t>
-            </a:r>
-            <a:r>
-              <a:rPr lang="en-US" dirty="0" smtClean="0"/>
-              <a:t> </a:t>
-            </a:r>
-            <a:r>
-              <a:rPr lang="en-US" dirty="0" err="1" smtClean="0"/>
-              <a:t>lý</a:t>
-            </a:r>
-            <a:r>
-              <a:rPr lang="en-US" dirty="0" smtClean="0"/>
-              <a:t> </a:t>
-            </a:r>
-            <a:r>
-              <a:rPr lang="en-US" dirty="0" err="1" smtClean="0"/>
-              <a:t>đồ</a:t>
-            </a:r>
-            <a:r>
-              <a:rPr lang="en-US" dirty="0" smtClean="0"/>
-              <a:t> </a:t>
-            </a:r>
-            <a:r>
-              <a:rPr lang="en-US" dirty="0" err="1" smtClean="0"/>
-              <a:t>họa</a:t>
-            </a:r>
-            <a:r>
-              <a:rPr lang="en-US" dirty="0" smtClean="0"/>
-              <a:t> </a:t>
-            </a:r>
-            <a:r>
-              <a:rPr lang="en-US" dirty="0" err="1" smtClean="0"/>
-              <a:t>cấp</a:t>
-            </a:r>
-            <a:r>
-              <a:rPr lang="en-US" dirty="0" smtClean="0"/>
-              <a:t> </a:t>
-            </a:r>
-            <a:r>
-              <a:rPr lang="en-US" dirty="0" err="1" smtClean="0"/>
-              <a:t>cao</a:t>
-            </a:r>
-            <a:r>
-              <a:rPr lang="en-US" dirty="0" smtClean="0"/>
-              <a:t> (OpenGL)</a:t>
+              <a:rPr lang="en-US" smtClean="0"/>
+              <a:t>Xử lý đồ họa cấp cao (OpenGL)</a:t>
             </a:r>
           </a:p>
           <a:p>
             <a:pPr lvl="1"/>
             <a:r>
-              <a:rPr lang="en-US" dirty="0" err="1" smtClean="0"/>
-              <a:t>Áp</a:t>
-            </a:r>
-            <a:r>
-              <a:rPr lang="en-US" dirty="0" smtClean="0"/>
-              <a:t> </a:t>
-            </a:r>
-            <a:r>
-              <a:rPr lang="en-US" dirty="0" err="1" smtClean="0"/>
-              <a:t>dụng</a:t>
-            </a:r>
-            <a:r>
-              <a:rPr lang="en-US" dirty="0" smtClean="0"/>
-              <a:t> </a:t>
-            </a:r>
-            <a:r>
-              <a:rPr lang="en-US" dirty="0" err="1" smtClean="0"/>
-              <a:t>các</a:t>
-            </a:r>
-            <a:r>
-              <a:rPr lang="en-US" dirty="0" smtClean="0"/>
-              <a:t> </a:t>
-            </a:r>
-            <a:r>
-              <a:rPr lang="en-US" dirty="0" err="1" smtClean="0"/>
-              <a:t>thuật</a:t>
-            </a:r>
-            <a:r>
-              <a:rPr lang="en-US" dirty="0" smtClean="0"/>
-              <a:t> </a:t>
-            </a:r>
-            <a:r>
-              <a:rPr lang="en-US" dirty="0" err="1" smtClean="0"/>
-              <a:t>toán</a:t>
-            </a:r>
-            <a:r>
-              <a:rPr lang="en-US" dirty="0" smtClean="0"/>
-              <a:t> </a:t>
-            </a:r>
-            <a:r>
-              <a:rPr lang="en-US" dirty="0" err="1" smtClean="0"/>
-              <a:t>tính</a:t>
-            </a:r>
-            <a:r>
-              <a:rPr lang="en-US" dirty="0" smtClean="0"/>
-              <a:t> </a:t>
-            </a:r>
-            <a:r>
-              <a:rPr lang="en-US" dirty="0" err="1" smtClean="0"/>
-              <a:t>toán</a:t>
-            </a:r>
-            <a:r>
-              <a:rPr lang="en-US" dirty="0" smtClean="0"/>
-              <a:t> </a:t>
-            </a:r>
-            <a:r>
-              <a:rPr lang="en-US" dirty="0" err="1" smtClean="0"/>
-              <a:t>cấp</a:t>
-            </a:r>
-            <a:r>
-              <a:rPr lang="en-US" dirty="0" smtClean="0"/>
-              <a:t> </a:t>
-            </a:r>
-            <a:r>
-              <a:rPr lang="en-US" dirty="0" err="1" smtClean="0"/>
-              <a:t>cao</a:t>
-            </a:r>
-            <a:r>
-              <a:rPr lang="en-US" dirty="0" smtClean="0"/>
-              <a:t> </a:t>
-            </a:r>
-            <a:r>
-              <a:rPr lang="en-US" dirty="0" err="1" smtClean="0"/>
-              <a:t>nhằm</a:t>
-            </a:r>
-            <a:r>
-              <a:rPr lang="en-US" dirty="0" smtClean="0"/>
-              <a:t> </a:t>
-            </a:r>
-            <a:r>
-              <a:rPr lang="en-US" dirty="0" err="1" smtClean="0"/>
-              <a:t>cải</a:t>
-            </a:r>
-            <a:r>
-              <a:rPr lang="en-US" dirty="0" smtClean="0"/>
-              <a:t> </a:t>
-            </a:r>
-            <a:r>
-              <a:rPr lang="en-US" dirty="0" err="1" smtClean="0"/>
-              <a:t>thiện</a:t>
-            </a:r>
-            <a:r>
-              <a:rPr lang="en-US" dirty="0" smtClean="0"/>
-              <a:t> </a:t>
-            </a:r>
-            <a:r>
-              <a:rPr lang="en-US" dirty="0" err="1" smtClean="0"/>
-              <a:t>tốc</a:t>
-            </a:r>
-            <a:r>
-              <a:rPr lang="en-US" dirty="0" smtClean="0"/>
-              <a:t> </a:t>
-            </a:r>
-            <a:r>
-              <a:rPr lang="en-US" dirty="0" err="1" smtClean="0"/>
-              <a:t>độ</a:t>
-            </a:r>
-            <a:r>
-              <a:rPr lang="en-US" dirty="0" smtClean="0"/>
-              <a:t> </a:t>
-            </a:r>
-            <a:r>
-              <a:rPr lang="en-US" dirty="0" err="1" smtClean="0"/>
-              <a:t>xử</a:t>
-            </a:r>
-            <a:r>
-              <a:rPr lang="en-US" dirty="0" smtClean="0"/>
-              <a:t> </a:t>
-            </a:r>
-            <a:r>
-              <a:rPr lang="en-US" dirty="0" err="1" smtClean="0"/>
-              <a:t>lý</a:t>
-            </a:r>
-            <a:r>
-              <a:rPr lang="en-US" dirty="0" smtClean="0"/>
-              <a:t> </a:t>
-            </a:r>
-            <a:r>
-              <a:rPr lang="en-US" dirty="0" err="1" smtClean="0"/>
-              <a:t>cho</a:t>
-            </a:r>
-            <a:r>
-              <a:rPr lang="en-US" dirty="0" smtClean="0"/>
-              <a:t> </a:t>
-            </a:r>
-            <a:r>
-              <a:rPr lang="en-US" dirty="0" err="1" smtClean="0"/>
-              <a:t>ứng</a:t>
-            </a:r>
-            <a:r>
-              <a:rPr lang="en-US" dirty="0" smtClean="0"/>
-              <a:t> </a:t>
-            </a:r>
-            <a:r>
-              <a:rPr lang="en-US" dirty="0" err="1" smtClean="0"/>
-              <a:t>dụng</a:t>
-            </a:r>
-            <a:r>
-              <a:rPr lang="en-US" dirty="0" smtClean="0"/>
-              <a:t>.</a:t>
+              <a:rPr lang="en-US" smtClean="0"/>
+              <a:t>Áp dụng các thuật toán tính toán cấp cao nhằm cải thiện tốc độ xử lý cho ứng dụng.</a:t>
             </a:r>
           </a:p>
           <a:p>
             <a:pPr lvl="1"/>
             <a:r>
-              <a:rPr lang="en-US" dirty="0" err="1" smtClean="0"/>
-              <a:t>Tái</a:t>
-            </a:r>
-            <a:r>
-              <a:rPr lang="en-US" dirty="0" smtClean="0"/>
-              <a:t> </a:t>
-            </a:r>
-            <a:r>
-              <a:rPr lang="en-US" dirty="0" err="1" smtClean="0"/>
-              <a:t>sử</a:t>
-            </a:r>
-            <a:r>
-              <a:rPr lang="en-US" dirty="0" smtClean="0"/>
-              <a:t> </a:t>
-            </a:r>
-            <a:r>
-              <a:rPr lang="en-US" dirty="0" err="1" smtClean="0"/>
-              <a:t>dụng</a:t>
-            </a:r>
-            <a:r>
-              <a:rPr lang="en-US" dirty="0" smtClean="0"/>
-              <a:t> </a:t>
-            </a:r>
-            <a:r>
-              <a:rPr lang="en-US" dirty="0" err="1" smtClean="0"/>
-              <a:t>thư</a:t>
-            </a:r>
-            <a:r>
-              <a:rPr lang="en-US" dirty="0" smtClean="0"/>
-              <a:t> </a:t>
-            </a:r>
-            <a:r>
-              <a:rPr lang="en-US" dirty="0" err="1" smtClean="0"/>
-              <a:t>viện</a:t>
-            </a:r>
-            <a:r>
-              <a:rPr lang="en-US" dirty="0" smtClean="0"/>
-              <a:t> </a:t>
-            </a:r>
-            <a:r>
-              <a:rPr lang="en-US" dirty="0" err="1" smtClean="0"/>
-              <a:t>mở</a:t>
-            </a:r>
-            <a:r>
-              <a:rPr lang="en-US" dirty="0" smtClean="0"/>
-              <a:t> </a:t>
-            </a:r>
-            <a:r>
-              <a:rPr lang="en-US" dirty="0" err="1" smtClean="0"/>
-              <a:t>từ</a:t>
-            </a:r>
-            <a:r>
-              <a:rPr lang="en-US" dirty="0" smtClean="0"/>
-              <a:t> </a:t>
-            </a:r>
-            <a:r>
-              <a:rPr lang="en-US" dirty="0" err="1" smtClean="0"/>
-              <a:t>mã</a:t>
-            </a:r>
-            <a:r>
-              <a:rPr lang="en-US" dirty="0" smtClean="0"/>
-              <a:t> </a:t>
-            </a:r>
-            <a:r>
-              <a:rPr lang="en-US" dirty="0" err="1" smtClean="0"/>
-              <a:t>nguồn</a:t>
-            </a:r>
-            <a:r>
-              <a:rPr lang="en-US" dirty="0" smtClean="0"/>
-              <a:t> C/C++ </a:t>
-            </a:r>
-            <a:r>
-              <a:rPr lang="en-US" dirty="0" err="1" smtClean="0"/>
-              <a:t>hoặc</a:t>
-            </a:r>
-            <a:r>
-              <a:rPr lang="en-US" dirty="0" smtClean="0"/>
-              <a:t> </a:t>
-            </a:r>
-            <a:r>
-              <a:rPr lang="en-US" dirty="0" err="1" smtClean="0"/>
-              <a:t>chuyển</a:t>
-            </a:r>
-            <a:r>
-              <a:rPr lang="en-US" dirty="0" smtClean="0"/>
-              <a:t> </a:t>
-            </a:r>
-            <a:r>
-              <a:rPr lang="en-US" dirty="0" err="1" smtClean="0"/>
-              <a:t>thể</a:t>
-            </a:r>
-            <a:r>
-              <a:rPr lang="en-US" dirty="0" smtClean="0"/>
-              <a:t> </a:t>
-            </a:r>
-            <a:r>
-              <a:rPr lang="en-US" dirty="0" err="1" smtClean="0"/>
-              <a:t>ứng</a:t>
-            </a:r>
-            <a:r>
-              <a:rPr lang="en-US" dirty="0" smtClean="0"/>
-              <a:t> </a:t>
-            </a:r>
-            <a:r>
-              <a:rPr lang="en-US" dirty="0" err="1" smtClean="0"/>
-              <a:t>dụng</a:t>
-            </a:r>
-            <a:r>
-              <a:rPr lang="en-US" dirty="0" smtClean="0"/>
-              <a:t> </a:t>
-            </a:r>
-            <a:r>
-              <a:rPr lang="en-US" dirty="0" err="1" smtClean="0"/>
-              <a:t>từ</a:t>
-            </a:r>
-            <a:r>
-              <a:rPr lang="en-US" dirty="0" smtClean="0"/>
-              <a:t> </a:t>
-            </a:r>
-            <a:r>
-              <a:rPr lang="en-US" dirty="0" err="1" smtClean="0"/>
-              <a:t>mã</a:t>
-            </a:r>
-            <a:r>
-              <a:rPr lang="en-US" dirty="0" smtClean="0"/>
-              <a:t> </a:t>
-            </a:r>
-            <a:r>
-              <a:rPr lang="en-US" dirty="0" err="1" smtClean="0"/>
-              <a:t>nguồn</a:t>
-            </a:r>
-            <a:r>
-              <a:rPr lang="en-US" dirty="0" smtClean="0"/>
-              <a:t> C/C++ (Porting)</a:t>
-            </a:r>
-          </a:p>
-          <a:p>
-            <a:r>
-              <a:rPr lang="en-US" dirty="0" err="1" smtClean="0"/>
-              <a:t>Lưu</a:t>
-            </a:r>
-            <a:r>
-              <a:rPr lang="en-US" dirty="0" smtClean="0"/>
-              <a:t> ý: NDK </a:t>
-            </a:r>
-            <a:r>
-              <a:rPr lang="en-US" dirty="0" err="1" smtClean="0"/>
-              <a:t>không</a:t>
-            </a:r>
-            <a:r>
-              <a:rPr lang="en-US" dirty="0" smtClean="0"/>
-              <a:t> </a:t>
-            </a:r>
-            <a:r>
-              <a:rPr lang="en-US" dirty="0" err="1" smtClean="0"/>
-              <a:t>là</a:t>
-            </a:r>
-            <a:r>
-              <a:rPr lang="en-US" dirty="0" smtClean="0"/>
-              <a:t> </a:t>
-            </a:r>
-            <a:r>
-              <a:rPr lang="en-US" dirty="0" err="1" smtClean="0"/>
-              <a:t>giải</a:t>
-            </a:r>
-            <a:r>
-              <a:rPr lang="en-US" dirty="0" smtClean="0"/>
-              <a:t> </a:t>
-            </a:r>
-            <a:r>
-              <a:rPr lang="en-US" dirty="0" err="1" smtClean="0"/>
-              <a:t>pháp</a:t>
-            </a:r>
-            <a:r>
-              <a:rPr lang="en-US" dirty="0" smtClean="0"/>
-              <a:t> </a:t>
-            </a:r>
-            <a:r>
-              <a:rPr lang="en-US" dirty="0" err="1" smtClean="0"/>
-              <a:t>tốt</a:t>
-            </a:r>
-            <a:r>
-              <a:rPr lang="en-US" dirty="0" smtClean="0"/>
-              <a:t> </a:t>
-            </a:r>
-            <a:r>
-              <a:rPr lang="en-US" dirty="0" err="1" smtClean="0"/>
-              <a:t>nhất</a:t>
-            </a:r>
-            <a:r>
-              <a:rPr lang="en-US" dirty="0" smtClean="0"/>
-              <a:t> </a:t>
-            </a:r>
-            <a:r>
-              <a:rPr lang="en-US" dirty="0" err="1" smtClean="0"/>
-              <a:t>về</a:t>
-            </a:r>
-            <a:r>
-              <a:rPr lang="en-US" dirty="0" smtClean="0"/>
-              <a:t> </a:t>
-            </a:r>
-            <a:r>
-              <a:rPr lang="en-US" dirty="0" err="1" smtClean="0"/>
-              <a:t>tốc</a:t>
-            </a:r>
-            <a:r>
-              <a:rPr lang="en-US" dirty="0" smtClean="0"/>
-              <a:t> </a:t>
-            </a:r>
-            <a:r>
-              <a:rPr lang="en-US" dirty="0" err="1" smtClean="0"/>
-              <a:t>độ</a:t>
-            </a:r>
-            <a:r>
-              <a:rPr lang="en-US" dirty="0" smtClean="0"/>
-              <a:t> </a:t>
-            </a:r>
-            <a:r>
-              <a:rPr lang="en-US" dirty="0" err="1" smtClean="0"/>
-              <a:t>cho</a:t>
-            </a:r>
-            <a:r>
-              <a:rPr lang="en-US" dirty="0" smtClean="0"/>
-              <a:t> </a:t>
-            </a:r>
-            <a:r>
-              <a:rPr lang="en-US" dirty="0" err="1" smtClean="0"/>
-              <a:t>mọi</a:t>
-            </a:r>
-            <a:r>
-              <a:rPr lang="en-US" dirty="0" smtClean="0"/>
-              <a:t> </a:t>
-            </a:r>
-            <a:r>
-              <a:rPr lang="en-US" dirty="0" err="1" smtClean="0"/>
-              <a:t>ứng</a:t>
-            </a:r>
-            <a:r>
-              <a:rPr lang="en-US" dirty="0" smtClean="0"/>
-              <a:t> </a:t>
-            </a:r>
-            <a:r>
-              <a:rPr lang="en-US" dirty="0" err="1" smtClean="0"/>
-              <a:t>dụng</a:t>
-            </a:r>
-            <a:r>
-              <a:rPr lang="en-US" dirty="0" smtClean="0"/>
-              <a:t> Android.</a:t>
-            </a:r>
-            <a:endParaRPr lang="en-US" dirty="0"/>
-          </a:p>
-        </p:txBody>
-      </p:sp>
-      <p:sp>
-        <p:nvSpPr>
-          <p:cNvPr id="4" name="Date Placeholder 3"/>
+              <a:rPr lang="en-US" smtClean="0"/>
+              <a:t>Tái sử dụng thư viện mở từ mã nguồn C/C++ hoặc chuyển thể ứng dụng từ mã nguồn C/C++ (Porting)</a:t>
+            </a:r>
+          </a:p>
+          <a:p>
+            <a:r>
+              <a:rPr lang="en-US" smtClean="0"/>
+              <a:t>Lưu ý: NDK không là giải pháp tốt nhất về tốc độ cho mọi ứng dụng Android.</a:t>
+            </a:r>
+          </a:p>
+        </p:txBody>
+      </p:sp>
+      <p:sp>
+        <p:nvSpPr>
+          <p:cNvPr id="20483" name="Date Placeholder 3"/>
           <p:cNvSpPr>
             <a:spLocks noGrp="1"/>
           </p:cNvSpPr>
           <p:nvPr>
-            <p:ph type="dt" sz="half" idx="10"/>
-          </p:nvPr>
-        </p:nvSpPr>
-        <p:spPr/>
+            <p:ph type="dt" sz="quarter" idx="10"/>
+          </p:nvPr>
+        </p:nvSpPr>
+        <p:spPr>
+          <a:noFill/>
+        </p:spPr>
         <p:txBody>
           <a:bodyPr/>
           <a:lstStyle/>
           <a:p>
-            <a:pPr>
-              <a:defRPr/>
-            </a:pPr>
-            <a:fld id="{D86BDA05-886F-4BEB-8934-0E21CCB7EEA5}" type="datetime1">
+            <a:fld id="{F5FA11E4-8F10-4BFF-9B55-B9EBE50D621C}" type="datetime1">
               <a:rPr lang="vi-VN" smtClean="0"/>
-              <a:pPr>
-                <a:defRPr/>
-              </a:pPr>
+              <a:pPr/>
               <a:t>23/11/2011</a:t>
             </a:fld>
-            <a:endParaRPr lang="en-US"/>
-          </a:p>
-        </p:txBody>
-      </p:sp>
-      <p:sp>
-        <p:nvSpPr>
-          <p:cNvPr id="5" name="Footer Placeholder 4"/>
+            <a:endParaRPr lang="en-US" smtClean="0"/>
+          </a:p>
+        </p:txBody>
+      </p:sp>
+      <p:sp>
+        <p:nvSpPr>
+          <p:cNvPr id="20484" name="Footer Placeholder 4"/>
           <p:cNvSpPr>
             <a:spLocks noGrp="1"/>
           </p:cNvSpPr>
@@ -7422,25 +6108,23 @@
             <p:ph type="ftr" sz="quarter" idx="11"/>
           </p:nvPr>
         </p:nvSpPr>
-        <p:spPr/>
+        <p:spPr>
+          <a:noFill/>
+        </p:spPr>
         <p:txBody>
           <a:bodyPr/>
           <a:lstStyle/>
           <a:p>
-            <a:pPr>
-              <a:defRPr/>
-            </a:pPr>
             <a:r>
               <a:rPr lang="en-US" smtClean="0"/>
               <a:t>Trung Tâm Tin Học - ĐH KHTN         ĐH QG TP.HCM</a:t>
             </a:r>
-            <a:endParaRPr lang="en-US"/>
-          </a:p>
-        </p:txBody>
-      </p:sp>
-      <p:sp>
-        <p:nvSpPr>
-          <p:cNvPr id="6" name="Slide Number Placeholder 5"/>
+          </a:p>
+        </p:txBody>
+      </p:sp>
+      <p:sp>
+        <p:nvSpPr>
+          <p:cNvPr id="20485" name="Slide Number Placeholder 5"/>
           <p:cNvSpPr>
             <a:spLocks noGrp="1"/>
           </p:cNvSpPr>
@@ -7448,22 +6132,19 @@
             <p:ph type="sldNum" sz="quarter" idx="12"/>
           </p:nvPr>
         </p:nvSpPr>
-        <p:spPr/>
+        <p:spPr>
+          <a:noFill/>
+        </p:spPr>
         <p:txBody>
           <a:bodyPr/>
           <a:lstStyle/>
           <a:p>
-            <a:pPr>
-              <a:defRPr/>
-            </a:pPr>
-            <a:fld id="{FAD8CA80-D256-40E5-B64B-EBBE75738043}" type="slidenum">
-              <a:rPr lang="en-US" smtClean="0"/>
-              <a:pPr>
-                <a:defRPr/>
-              </a:pPr>
+            <a:fld id="{57A48CB5-732A-4B31-A069-DD202198E820}" type="slidenum">
+              <a:rPr lang="en-US" smtClean="0"/>
+              <a:pPr/>
               <a:t>5</a:t>
             </a:fld>
-            <a:endParaRPr lang="en-US"/>
+            <a:endParaRPr lang="en-US" smtClean="0"/>
           </a:p>
         </p:txBody>
       </p:sp>
@@ -7494,7 +6175,7 @@
       </p:grpSpPr>
       <p:sp>
         <p:nvSpPr>
-          <p:cNvPr id="2" name="Title 1"/>
+          <p:cNvPr id="21505" name="Title 1"/>
           <p:cNvSpPr>
             <a:spLocks noGrp="1"/>
           </p:cNvSpPr>
@@ -7514,48 +6195,15 @@
           <a:p>
             <a:pPr algn="r"/>
             <a:r>
-              <a:rPr lang="en-US" dirty="0" err="1" smtClean="0"/>
-              <a:t>Những</a:t>
-            </a:r>
-            <a:r>
-              <a:rPr lang="en-US" dirty="0" smtClean="0"/>
-              <a:t> </a:t>
-            </a:r>
-            <a:r>
-              <a:rPr lang="en-US" dirty="0" err="1" smtClean="0"/>
-              <a:t>giới</a:t>
-            </a:r>
-            <a:r>
-              <a:rPr lang="en-US" dirty="0" smtClean="0"/>
-              <a:t> </a:t>
-            </a:r>
-            <a:r>
-              <a:rPr lang="en-US" dirty="0" err="1" smtClean="0"/>
-              <a:t>hạn</a:t>
-            </a:r>
-            <a:r>
-              <a:rPr lang="en-US" dirty="0" smtClean="0"/>
-              <a:t> </a:t>
-            </a:r>
-            <a:r>
-              <a:rPr lang="en-US" dirty="0" err="1" smtClean="0"/>
-              <a:t>hiên</a:t>
-            </a:r>
-            <a:r>
-              <a:rPr lang="en-US" dirty="0" smtClean="0"/>
-              <a:t> </a:t>
-            </a:r>
-            <a:r>
-              <a:rPr lang="en-US" dirty="0" err="1" smtClean="0"/>
-              <a:t>tại</a:t>
-            </a:r>
-            <a:endParaRPr lang="en-US" dirty="0"/>
-          </a:p>
-        </p:txBody>
-      </p:sp>
-      <p:sp>
-        <p:nvSpPr>
-          <p:cNvPr id="3" name="Content Placeholder 2"/>
+              <a:rPr lang="en-US" smtClean="0"/>
+              <a:t>Những giới hạn hiên tại</a:t>
+            </a:r>
+          </a:p>
+        </p:txBody>
+      </p:sp>
+      <p:sp>
+        <p:nvSpPr>
+          <p:cNvPr id="21506" name="Content Placeholder 2"/>
           <p:cNvSpPr>
             <a:spLocks noGrp="1"/>
           </p:cNvSpPr>
@@ -7569,564 +6217,61 @@
           <a:lstStyle/>
           <a:p>
             <a:r>
-              <a:rPr lang="en-US" dirty="0" err="1" smtClean="0"/>
-              <a:t>Cơ</a:t>
-            </a:r>
-            <a:r>
-              <a:rPr lang="en-US" dirty="0" smtClean="0"/>
-              <a:t> </a:t>
-            </a:r>
-            <a:r>
-              <a:rPr lang="en-US" dirty="0" err="1" smtClean="0"/>
-              <a:t>bản</a:t>
-            </a:r>
-            <a:r>
-              <a:rPr lang="en-US" dirty="0" smtClean="0"/>
-              <a:t> </a:t>
-            </a:r>
-            <a:r>
-              <a:rPr lang="en-US" dirty="0" err="1" smtClean="0"/>
-              <a:t>chỉ</a:t>
-            </a:r>
-            <a:r>
-              <a:rPr lang="en-US" dirty="0" smtClean="0"/>
-              <a:t> </a:t>
-            </a:r>
-            <a:r>
-              <a:rPr lang="en-US" dirty="0" err="1" smtClean="0"/>
-              <a:t>ứng</a:t>
-            </a:r>
-            <a:r>
-              <a:rPr lang="en-US" dirty="0" smtClean="0"/>
-              <a:t> </a:t>
-            </a:r>
-            <a:r>
-              <a:rPr lang="en-US" dirty="0" err="1" smtClean="0"/>
-              <a:t>dụng</a:t>
-            </a:r>
-            <a:r>
-              <a:rPr lang="en-US" dirty="0" smtClean="0"/>
-              <a:t> </a:t>
-            </a:r>
-            <a:r>
-              <a:rPr lang="en-US" dirty="0" err="1" smtClean="0"/>
-              <a:t>nhằm</a:t>
-            </a:r>
-            <a:r>
-              <a:rPr lang="en-US" dirty="0" smtClean="0"/>
-              <a:t> </a:t>
-            </a:r>
-            <a:r>
-              <a:rPr lang="en-US" dirty="0" err="1" smtClean="0"/>
-              <a:t>mục</a:t>
-            </a:r>
-            <a:r>
-              <a:rPr lang="en-US" dirty="0" smtClean="0"/>
-              <a:t> </a:t>
-            </a:r>
-            <a:r>
-              <a:rPr lang="en-US" dirty="0" err="1" smtClean="0"/>
-              <a:t>đích</a:t>
-            </a:r>
-            <a:r>
-              <a:rPr lang="en-US" dirty="0" smtClean="0"/>
-              <a:t> </a:t>
-            </a:r>
-            <a:r>
-              <a:rPr lang="en-US" dirty="0" err="1" smtClean="0"/>
-              <a:t>tăng</a:t>
-            </a:r>
-            <a:r>
-              <a:rPr lang="en-US" dirty="0" smtClean="0"/>
-              <a:t> </a:t>
-            </a:r>
-            <a:r>
-              <a:rPr lang="en-US" dirty="0" err="1" smtClean="0"/>
-              <a:t>tốc</a:t>
-            </a:r>
-            <a:r>
-              <a:rPr lang="en-US" dirty="0" smtClean="0"/>
-              <a:t> </a:t>
-            </a:r>
-            <a:r>
-              <a:rPr lang="en-US" dirty="0" err="1" smtClean="0"/>
-              <a:t>độ</a:t>
-            </a:r>
-            <a:r>
-              <a:rPr lang="en-US" dirty="0" smtClean="0"/>
-              <a:t> </a:t>
-            </a:r>
-            <a:r>
-              <a:rPr lang="en-US" dirty="0" err="1" smtClean="0"/>
-              <a:t>và</a:t>
-            </a:r>
-            <a:r>
-              <a:rPr lang="en-US" dirty="0" smtClean="0"/>
-              <a:t> </a:t>
-            </a:r>
-            <a:r>
-              <a:rPr lang="en-US" dirty="0" err="1" smtClean="0"/>
-              <a:t>hiệu</a:t>
-            </a:r>
-            <a:r>
-              <a:rPr lang="en-US" dirty="0" smtClean="0"/>
-              <a:t> </a:t>
-            </a:r>
-            <a:r>
-              <a:rPr lang="en-US" dirty="0" err="1" smtClean="0"/>
-              <a:t>quả</a:t>
-            </a:r>
-            <a:r>
-              <a:rPr lang="en-US" dirty="0" smtClean="0"/>
-              <a:t> </a:t>
-            </a:r>
-            <a:r>
-              <a:rPr lang="en-US" dirty="0" err="1" smtClean="0"/>
-              <a:t>xử</a:t>
-            </a:r>
-            <a:r>
-              <a:rPr lang="en-US" dirty="0" smtClean="0"/>
-              <a:t> </a:t>
-            </a:r>
-            <a:r>
-              <a:rPr lang="en-US" dirty="0" err="1" smtClean="0"/>
-              <a:t>lý</a:t>
-            </a:r>
-            <a:r>
-              <a:rPr lang="en-US" dirty="0" smtClean="0"/>
-              <a:t> </a:t>
-            </a:r>
-            <a:r>
-              <a:rPr lang="en-US" dirty="0" err="1" smtClean="0"/>
-              <a:t>thuật</a:t>
-            </a:r>
-            <a:r>
-              <a:rPr lang="en-US" dirty="0" smtClean="0"/>
-              <a:t> </a:t>
-            </a:r>
-            <a:r>
-              <a:rPr lang="en-US" dirty="0" err="1" smtClean="0"/>
-              <a:t>toán</a:t>
-            </a:r>
-            <a:r>
-              <a:rPr lang="en-US" dirty="0" smtClean="0"/>
-              <a:t> </a:t>
-            </a:r>
-            <a:r>
-              <a:rPr lang="en-US" dirty="0" err="1" smtClean="0"/>
-              <a:t>trên</a:t>
-            </a:r>
-            <a:r>
-              <a:rPr lang="en-US" dirty="0" smtClean="0"/>
-              <a:t> </a:t>
-            </a:r>
-            <a:r>
-              <a:rPr lang="en-US" dirty="0" err="1" smtClean="0"/>
-              <a:t>mã</a:t>
-            </a:r>
-            <a:r>
-              <a:rPr lang="en-US" dirty="0" smtClean="0"/>
-              <a:t> </a:t>
-            </a:r>
-            <a:r>
-              <a:rPr lang="en-US" dirty="0" err="1" smtClean="0"/>
-              <a:t>nguồn</a:t>
-            </a:r>
-            <a:r>
-              <a:rPr lang="en-US" dirty="0" smtClean="0"/>
-              <a:t> C.</a:t>
-            </a:r>
-          </a:p>
-          <a:p>
-            <a:r>
-              <a:rPr lang="en-US" dirty="0" err="1" smtClean="0"/>
-              <a:t>Không</a:t>
-            </a:r>
-            <a:r>
-              <a:rPr lang="en-US" dirty="0" smtClean="0"/>
-              <a:t> </a:t>
-            </a:r>
-            <a:r>
-              <a:rPr lang="en-US" dirty="0" err="1" smtClean="0"/>
-              <a:t>khuyến</a:t>
-            </a:r>
-            <a:r>
-              <a:rPr lang="en-US" dirty="0" smtClean="0"/>
-              <a:t> </a:t>
-            </a:r>
-            <a:r>
-              <a:rPr lang="en-US" dirty="0" err="1" smtClean="0"/>
-              <a:t>khích</a:t>
-            </a:r>
-            <a:r>
-              <a:rPr lang="en-US" dirty="0" smtClean="0"/>
-              <a:t> </a:t>
-            </a:r>
-            <a:r>
-              <a:rPr lang="en-US" dirty="0" err="1" smtClean="0"/>
-              <a:t>xây</a:t>
-            </a:r>
-            <a:r>
-              <a:rPr lang="en-US" dirty="0" smtClean="0"/>
-              <a:t> </a:t>
-            </a:r>
-            <a:r>
-              <a:rPr lang="en-US" dirty="0" err="1" smtClean="0"/>
-              <a:t>dựng</a:t>
-            </a:r>
-            <a:r>
-              <a:rPr lang="en-US" dirty="0" smtClean="0"/>
-              <a:t> 1 </a:t>
-            </a:r>
-            <a:r>
-              <a:rPr lang="en-US" dirty="0" err="1" smtClean="0"/>
-              <a:t>ứng</a:t>
-            </a:r>
-            <a:r>
-              <a:rPr lang="en-US" dirty="0" smtClean="0"/>
-              <a:t> </a:t>
-            </a:r>
-            <a:r>
-              <a:rPr lang="en-US" dirty="0" err="1" smtClean="0"/>
-              <a:t>dụng</a:t>
-            </a:r>
-            <a:r>
-              <a:rPr lang="en-US" dirty="0" smtClean="0"/>
-              <a:t> Android </a:t>
-            </a:r>
-            <a:r>
-              <a:rPr lang="en-US" dirty="0" err="1" smtClean="0"/>
-              <a:t>hoàn</a:t>
-            </a:r>
-            <a:r>
-              <a:rPr lang="en-US" dirty="0" smtClean="0"/>
-              <a:t> </a:t>
-            </a:r>
-            <a:r>
-              <a:rPr lang="en-US" dirty="0" err="1" smtClean="0"/>
-              <a:t>toàn</a:t>
-            </a:r>
-            <a:r>
-              <a:rPr lang="en-US" dirty="0" smtClean="0"/>
-              <a:t> </a:t>
-            </a:r>
-            <a:r>
-              <a:rPr lang="en-US" dirty="0" err="1" smtClean="0"/>
-              <a:t>là</a:t>
-            </a:r>
-            <a:r>
-              <a:rPr lang="en-US" dirty="0" smtClean="0"/>
-              <a:t> “Native”.</a:t>
-            </a:r>
-          </a:p>
-          <a:p>
-            <a:r>
-              <a:rPr lang="en-US" dirty="0" smtClean="0"/>
-              <a:t>LT HĐT C++ </a:t>
-            </a:r>
-            <a:r>
-              <a:rPr lang="en-US" dirty="0" err="1" smtClean="0"/>
-              <a:t>được</a:t>
-            </a:r>
-            <a:r>
-              <a:rPr lang="en-US" dirty="0" smtClean="0"/>
-              <a:t> </a:t>
-            </a:r>
-            <a:r>
-              <a:rPr lang="en-US" dirty="0" err="1" smtClean="0"/>
-              <a:t>hỗ</a:t>
-            </a:r>
-            <a:r>
-              <a:rPr lang="en-US" dirty="0" smtClean="0"/>
-              <a:t> </a:t>
-            </a:r>
-            <a:r>
-              <a:rPr lang="en-US" dirty="0" err="1" smtClean="0"/>
-              <a:t>trợ</a:t>
-            </a:r>
-            <a:r>
-              <a:rPr lang="en-US" dirty="0" smtClean="0"/>
-              <a:t> </a:t>
-            </a:r>
-            <a:r>
-              <a:rPr lang="en-US" dirty="0" err="1" smtClean="0"/>
-              <a:t>một</a:t>
-            </a:r>
-            <a:r>
-              <a:rPr lang="en-US" dirty="0" smtClean="0"/>
-              <a:t> </a:t>
-            </a:r>
-            <a:r>
-              <a:rPr lang="en-US" dirty="0" err="1" smtClean="0"/>
-              <a:t>cách</a:t>
-            </a:r>
-            <a:r>
-              <a:rPr lang="en-US" dirty="0" smtClean="0"/>
-              <a:t> </a:t>
-            </a:r>
-            <a:r>
-              <a:rPr lang="en-US" dirty="0" err="1" smtClean="0"/>
-              <a:t>hạn</a:t>
-            </a:r>
-            <a:r>
-              <a:rPr lang="en-US" dirty="0" smtClean="0"/>
-              <a:t> </a:t>
-            </a:r>
-            <a:r>
-              <a:rPr lang="en-US" dirty="0" err="1" smtClean="0"/>
-              <a:t>chế</a:t>
-            </a:r>
-            <a:r>
-              <a:rPr lang="en-US" dirty="0" smtClean="0"/>
-              <a:t>, </a:t>
-            </a:r>
-            <a:r>
-              <a:rPr lang="en-US" dirty="0" err="1" smtClean="0"/>
-              <a:t>có</a:t>
-            </a:r>
-            <a:r>
-              <a:rPr lang="en-US" dirty="0" smtClean="0"/>
-              <a:t> </a:t>
-            </a:r>
-            <a:r>
-              <a:rPr lang="en-US" dirty="0" err="1" smtClean="0"/>
-              <a:t>thể</a:t>
-            </a:r>
-            <a:r>
-              <a:rPr lang="en-US" dirty="0" smtClean="0"/>
-              <a:t> </a:t>
-            </a:r>
-            <a:r>
-              <a:rPr lang="en-US" dirty="0" err="1" smtClean="0"/>
-              <a:t>nói</a:t>
-            </a:r>
-            <a:r>
-              <a:rPr lang="en-US" dirty="0" smtClean="0"/>
-              <a:t> </a:t>
-            </a:r>
-            <a:r>
-              <a:rPr lang="en-US" dirty="0" err="1" smtClean="0"/>
-              <a:t>đúng</a:t>
-            </a:r>
-            <a:r>
-              <a:rPr lang="en-US" dirty="0" smtClean="0"/>
-              <a:t> </a:t>
-            </a:r>
-            <a:r>
-              <a:rPr lang="en-US" dirty="0" err="1" smtClean="0"/>
-              <a:t>hơn</a:t>
-            </a:r>
-            <a:r>
-              <a:rPr lang="en-US" dirty="0" smtClean="0"/>
-              <a:t> </a:t>
-            </a:r>
-            <a:r>
-              <a:rPr lang="en-US" dirty="0" err="1" smtClean="0"/>
-              <a:t>chỉ</a:t>
-            </a:r>
-            <a:r>
-              <a:rPr lang="en-US" dirty="0" smtClean="0"/>
-              <a:t> </a:t>
-            </a:r>
-            <a:r>
-              <a:rPr lang="en-US" dirty="0" err="1" smtClean="0"/>
-              <a:t>là</a:t>
-            </a:r>
-            <a:r>
-              <a:rPr lang="en-US" dirty="0" smtClean="0"/>
-              <a:t> “C”</a:t>
+              <a:rPr lang="en-US" smtClean="0"/>
+              <a:t>Cơ bản chỉ ứng dụng nhằm mục đích tăng tốc độ và hiệu quả xử lý thuật toán trên mã nguồn C.</a:t>
+            </a:r>
+          </a:p>
+          <a:p>
+            <a:r>
+              <a:rPr lang="en-US" smtClean="0"/>
+              <a:t>Không khuyến khích xây dựng 1 ứng dụng Android hoàn toàn là “Native”.</a:t>
+            </a:r>
+          </a:p>
+          <a:p>
+            <a:r>
+              <a:rPr lang="en-US" smtClean="0"/>
+              <a:t>LT HĐT C++ được hỗ trợ một cách hạn chế, có thể nói đúng hơn chỉ là “C”</a:t>
             </a:r>
           </a:p>
           <a:p>
             <a:pPr lvl="1"/>
             <a:r>
-              <a:rPr lang="en-US" sz="2000" dirty="0" err="1" smtClean="0"/>
-              <a:t>Không</a:t>
-            </a:r>
-            <a:r>
-              <a:rPr lang="en-US" sz="2000" dirty="0" smtClean="0"/>
-              <a:t> </a:t>
-            </a:r>
-            <a:r>
-              <a:rPr lang="en-US" sz="2000" dirty="0" err="1" smtClean="0"/>
-              <a:t>hỗ</a:t>
-            </a:r>
-            <a:r>
-              <a:rPr lang="en-US" sz="2000" dirty="0" smtClean="0"/>
-              <a:t> </a:t>
-            </a:r>
-            <a:r>
-              <a:rPr lang="en-US" sz="2000" dirty="0" err="1" smtClean="0"/>
-              <a:t>trợ</a:t>
-            </a:r>
-            <a:r>
-              <a:rPr lang="en-US" sz="2000" dirty="0" smtClean="0"/>
-              <a:t> </a:t>
-            </a:r>
-            <a:r>
-              <a:rPr lang="en-US" sz="2000" dirty="0" err="1" smtClean="0"/>
-              <a:t>lớp</a:t>
-            </a:r>
-            <a:r>
-              <a:rPr lang="en-US" sz="2000" dirty="0" smtClean="0"/>
-              <a:t> </a:t>
-            </a:r>
-            <a:r>
-              <a:rPr lang="en-US" sz="2000" dirty="0" err="1" smtClean="0"/>
-              <a:t>xử</a:t>
-            </a:r>
-            <a:r>
-              <a:rPr lang="en-US" sz="2000" dirty="0" smtClean="0"/>
-              <a:t> </a:t>
-            </a:r>
-            <a:r>
-              <a:rPr lang="en-US" sz="2000" dirty="0" err="1" smtClean="0"/>
-              <a:t>lý</a:t>
-            </a:r>
-            <a:r>
-              <a:rPr lang="en-US" sz="2000" dirty="0" smtClean="0"/>
-              <a:t> </a:t>
-            </a:r>
-            <a:r>
-              <a:rPr lang="en-US" sz="2000" dirty="0" err="1" smtClean="0"/>
-              <a:t>biệt</a:t>
-            </a:r>
-            <a:r>
-              <a:rPr lang="en-US" sz="2000" dirty="0" smtClean="0"/>
-              <a:t> </a:t>
-            </a:r>
-            <a:r>
-              <a:rPr lang="en-US" sz="2000" dirty="0" err="1" smtClean="0"/>
-              <a:t>lệ</a:t>
-            </a:r>
-            <a:r>
-              <a:rPr lang="en-US" sz="2000" dirty="0" smtClean="0"/>
-              <a:t> </a:t>
-            </a:r>
-            <a:r>
-              <a:rPr lang="en-US" sz="2000" dirty="0" err="1" smtClean="0"/>
-              <a:t>và</a:t>
-            </a:r>
-            <a:r>
-              <a:rPr lang="en-US" sz="2000" dirty="0" smtClean="0"/>
-              <a:t> </a:t>
-            </a:r>
-            <a:r>
-              <a:rPr lang="en-US" sz="2000" dirty="0" err="1" smtClean="0"/>
-              <a:t>gặp</a:t>
-            </a:r>
-            <a:r>
-              <a:rPr lang="en-US" sz="2000" dirty="0" smtClean="0"/>
-              <a:t> </a:t>
-            </a:r>
-            <a:r>
-              <a:rPr lang="en-US" sz="2000" dirty="0" err="1" smtClean="0"/>
-              <a:t>trục</a:t>
-            </a:r>
-            <a:r>
-              <a:rPr lang="en-US" sz="2000" dirty="0" smtClean="0"/>
-              <a:t> </a:t>
-            </a:r>
-            <a:r>
-              <a:rPr lang="en-US" sz="2000" dirty="0" err="1" smtClean="0"/>
-              <a:t>trặc</a:t>
-            </a:r>
-            <a:r>
-              <a:rPr lang="en-US" sz="2000" dirty="0" smtClean="0"/>
-              <a:t> </a:t>
-            </a:r>
-            <a:r>
-              <a:rPr lang="en-US" sz="2000" dirty="0" err="1" smtClean="0"/>
-              <a:t>trong</a:t>
-            </a:r>
-            <a:r>
-              <a:rPr lang="en-US" sz="2000" dirty="0" smtClean="0"/>
-              <a:t> </a:t>
-            </a:r>
-            <a:r>
-              <a:rPr lang="en-US" sz="2000" dirty="0" err="1" smtClean="0"/>
-              <a:t>các</a:t>
-            </a:r>
-            <a:r>
-              <a:rPr lang="en-US" sz="2000" dirty="0" smtClean="0"/>
-              <a:t> </a:t>
-            </a:r>
-            <a:r>
-              <a:rPr lang="en-US" sz="2000" dirty="0" err="1" smtClean="0"/>
-              <a:t>phương</a:t>
-            </a:r>
-            <a:r>
-              <a:rPr lang="en-US" sz="2000" dirty="0" smtClean="0"/>
-              <a:t> </a:t>
-            </a:r>
-            <a:r>
-              <a:rPr lang="en-US" sz="2000" dirty="0" err="1" smtClean="0"/>
-              <a:t>thức</a:t>
-            </a:r>
-            <a:r>
-              <a:rPr lang="en-US" sz="2000" dirty="0" smtClean="0"/>
-              <a:t> </a:t>
-            </a:r>
-            <a:r>
-              <a:rPr lang="en-US" sz="2000" dirty="0" err="1" smtClean="0"/>
-              <a:t>contructor</a:t>
-            </a:r>
-            <a:r>
-              <a:rPr lang="en-US" sz="2000" dirty="0" smtClean="0"/>
-              <a:t>/destructor </a:t>
-            </a:r>
-            <a:r>
-              <a:rPr lang="en-US" sz="2000" dirty="0" err="1" smtClean="0"/>
-              <a:t>của</a:t>
-            </a:r>
-            <a:r>
-              <a:rPr lang="en-US" sz="2000" dirty="0" smtClean="0"/>
-              <a:t> </a:t>
-            </a:r>
-            <a:r>
-              <a:rPr lang="en-US" sz="2000" dirty="0" err="1" smtClean="0"/>
-              <a:t>lớp</a:t>
-            </a:r>
-            <a:r>
-              <a:rPr lang="en-US" sz="2000" dirty="0" smtClean="0"/>
-              <a:t>.</a:t>
-            </a:r>
-            <a:endParaRPr lang="en-US" dirty="0"/>
-          </a:p>
-        </p:txBody>
-      </p:sp>
-      <p:sp>
-        <p:nvSpPr>
-          <p:cNvPr id="4" name="Date Placeholder 3"/>
+              <a:rPr lang="en-US" sz="2000" smtClean="0"/>
+              <a:t>Không hỗ trợ lớp xử lý biệt lệ và gặp trục trặc trong các phương thức contructor/destructor của lớp.</a:t>
+            </a:r>
+            <a:endParaRPr lang="en-US" smtClean="0"/>
+          </a:p>
+        </p:txBody>
+      </p:sp>
+      <p:sp>
+        <p:nvSpPr>
+          <p:cNvPr id="21507" name="Date Placeholder 3"/>
           <p:cNvSpPr>
             <a:spLocks noGrp="1"/>
           </p:cNvSpPr>
           <p:nvPr>
-            <p:ph type="dt" sz="half" idx="10"/>
-          </p:nvPr>
-        </p:nvSpPr>
-        <p:spPr/>
+            <p:ph type="dt" sz="quarter" idx="10"/>
+          </p:nvPr>
+        </p:nvSpPr>
+        <p:spPr>
+          <a:noFill/>
+        </p:spPr>
         <p:txBody>
           <a:bodyPr/>
           <a:lstStyle/>
           <a:p>
-            <a:pPr>
-              <a:defRPr/>
-            </a:pPr>
-            <a:fld id="{D86BDA05-886F-4BEB-8934-0E21CCB7EEA5}" type="datetime1">
+            <a:fld id="{05958295-6E67-4FBC-87C4-36753390DBD5}" type="datetime1">
               <a:rPr lang="vi-VN" smtClean="0"/>
-              <a:pPr>
-                <a:defRPr/>
-              </a:pPr>
+              <a:pPr/>
               <a:t>23/11/2011</a:t>
             </a:fld>
-            <a:endParaRPr lang="en-US"/>
-          </a:p>
-        </p:txBody>
-      </p:sp>
-      <p:sp>
-        <p:nvSpPr>
-          <p:cNvPr id="5" name="Footer Placeholder 4"/>
+            <a:endParaRPr lang="en-US" smtClean="0"/>
+          </a:p>
+        </p:txBody>
+      </p:sp>
+      <p:sp>
+        <p:nvSpPr>
+          <p:cNvPr id="21508" name="Footer Placeholder 4"/>
           <p:cNvSpPr>
             <a:spLocks noGrp="1"/>
           </p:cNvSpPr>
@@ -8134,25 +6279,23 @@
             <p:ph type="ftr" sz="quarter" idx="11"/>
           </p:nvPr>
         </p:nvSpPr>
-        <p:spPr/>
+        <p:spPr>
+          <a:noFill/>
+        </p:spPr>
         <p:txBody>
           <a:bodyPr/>
           <a:lstStyle/>
           <a:p>
-            <a:pPr>
-              <a:defRPr/>
-            </a:pPr>
             <a:r>
               <a:rPr lang="en-US" smtClean="0"/>
               <a:t>Trung Tâm Tin Học - ĐH KHTN         ĐH QG TP.HCM</a:t>
             </a:r>
-            <a:endParaRPr lang="en-US"/>
-          </a:p>
-        </p:txBody>
-      </p:sp>
-      <p:sp>
-        <p:nvSpPr>
-          <p:cNvPr id="6" name="Slide Number Placeholder 5"/>
+          </a:p>
+        </p:txBody>
+      </p:sp>
+      <p:sp>
+        <p:nvSpPr>
+          <p:cNvPr id="21509" name="Slide Number Placeholder 5"/>
           <p:cNvSpPr>
             <a:spLocks noGrp="1"/>
           </p:cNvSpPr>
@@ -8160,22 +6303,19 @@
             <p:ph type="sldNum" sz="quarter" idx="12"/>
           </p:nvPr>
         </p:nvSpPr>
-        <p:spPr/>
+        <p:spPr>
+          <a:noFill/>
+        </p:spPr>
         <p:txBody>
           <a:bodyPr/>
           <a:lstStyle/>
           <a:p>
-            <a:pPr>
-              <a:defRPr/>
-            </a:pPr>
-            <a:fld id="{FAD8CA80-D256-40E5-B64B-EBBE75738043}" type="slidenum">
-              <a:rPr lang="en-US" smtClean="0"/>
-              <a:pPr>
-                <a:defRPr/>
-              </a:pPr>
+            <a:fld id="{70A3C3D5-96B0-41C6-9F73-3355EBF40949}" type="slidenum">
+              <a:rPr lang="en-US" smtClean="0"/>
+              <a:pPr/>
               <a:t>6</a:t>
             </a:fld>
-            <a:endParaRPr lang="en-US"/>
+            <a:endParaRPr lang="en-US" smtClean="0"/>
           </a:p>
         </p:txBody>
       </p:sp>
@@ -8206,7 +6346,7 @@
       </p:grpSpPr>
       <p:sp>
         <p:nvSpPr>
-          <p:cNvPr id="2" name="Title 1"/>
+          <p:cNvPr id="22529" name="Title 1"/>
           <p:cNvSpPr>
             <a:spLocks noGrp="1"/>
           </p:cNvSpPr>
@@ -8226,76 +6366,15 @@
           <a:p>
             <a:pPr algn="r"/>
             <a:r>
-              <a:rPr lang="en-US" dirty="0" err="1" smtClean="0"/>
-              <a:t>Cần</a:t>
-            </a:r>
-            <a:r>
-              <a:rPr lang="en-US" dirty="0" smtClean="0"/>
-              <a:t> </a:t>
-            </a:r>
-            <a:r>
-              <a:rPr lang="en-US" dirty="0" err="1" smtClean="0"/>
-              <a:t>những</a:t>
-            </a:r>
-            <a:r>
-              <a:rPr lang="en-US" dirty="0" smtClean="0"/>
-              <a:t> </a:t>
-            </a:r>
-            <a:r>
-              <a:rPr lang="en-US" dirty="0" err="1" smtClean="0"/>
-              <a:t>công</a:t>
-            </a:r>
-            <a:r>
-              <a:rPr lang="en-US" dirty="0" smtClean="0"/>
-              <a:t> </a:t>
-            </a:r>
-            <a:r>
-              <a:rPr lang="en-US" dirty="0" err="1" smtClean="0"/>
-              <a:t>cụ</a:t>
-            </a:r>
-            <a:r>
-              <a:rPr lang="en-US" dirty="0" smtClean="0"/>
-              <a:t> </a:t>
-            </a:r>
-            <a:r>
-              <a:rPr lang="en-US" dirty="0" err="1" smtClean="0"/>
-              <a:t>gì</a:t>
-            </a:r>
-            <a:r>
-              <a:rPr lang="en-US" dirty="0" smtClean="0"/>
-              <a:t> </a:t>
-            </a:r>
-            <a:r>
-              <a:rPr lang="en-US" dirty="0" err="1" smtClean="0"/>
-              <a:t>để</a:t>
-            </a:r>
-            <a:r>
-              <a:rPr lang="en-US" dirty="0" smtClean="0"/>
-              <a:t> </a:t>
-            </a:r>
-            <a:r>
-              <a:rPr lang="en-US" dirty="0" err="1" smtClean="0"/>
-              <a:t>bắt</a:t>
-            </a:r>
-            <a:r>
-              <a:rPr lang="en-US" dirty="0" smtClean="0"/>
-              <a:t> </a:t>
-            </a:r>
-            <a:r>
-              <a:rPr lang="en-US" dirty="0" err="1" smtClean="0"/>
-              <a:t>đầu</a:t>
-            </a:r>
-            <a:r>
-              <a:rPr lang="en-US" dirty="0" smtClean="0"/>
-              <a:t>?</a:t>
-            </a:r>
-            <a:endParaRPr lang="en-US" dirty="0"/>
-          </a:p>
-        </p:txBody>
-      </p:sp>
-      <p:sp>
-        <p:nvSpPr>
-          <p:cNvPr id="3" name="Content Placeholder 2"/>
+              <a:rPr lang="en-US" smtClean="0"/>
+              <a:t>Cần những công cụ gì để bắt đầu?</a:t>
+            </a:r>
+          </a:p>
+        </p:txBody>
+      </p:sp>
+      <p:sp>
+        <p:nvSpPr>
+          <p:cNvPr id="22530" name="Content Placeholder 2"/>
           <p:cNvSpPr>
             <a:spLocks noGrp="1"/>
           </p:cNvSpPr>
@@ -8309,454 +6388,104 @@
           <a:lstStyle/>
           <a:p>
             <a:r>
-              <a:rPr lang="en-US" sz="2400" dirty="0" smtClean="0"/>
+              <a:rPr lang="en-US" sz="2400" smtClean="0"/>
               <a:t>Android NDK</a:t>
             </a:r>
           </a:p>
           <a:p>
             <a:pPr lvl="1"/>
             <a:r>
-              <a:rPr lang="en-US" sz="1800" dirty="0" err="1" smtClean="0"/>
-              <a:t>Tải</a:t>
-            </a:r>
-            <a:r>
-              <a:rPr lang="en-US" sz="1800" dirty="0" smtClean="0"/>
-              <a:t>: </a:t>
-            </a:r>
-            <a:r>
-              <a:rPr lang="en-US" sz="1600" dirty="0" smtClean="0">
+              <a:rPr lang="en-US" sz="1800" smtClean="0"/>
+              <a:t>Tải: </a:t>
+            </a:r>
+            <a:r>
+              <a:rPr lang="en-US" sz="1600" smtClean="0">
                 <a:hlinkClick r:id="rId2"/>
               </a:rPr>
-              <a:t>http://</a:t>
-            </a:r>
-            <a:r>
-              <a:rPr lang="en-US" sz="1600" dirty="0" smtClean="0">
-                <a:hlinkClick r:id="rId2"/>
-              </a:rPr>
-              <a:t>developer.android.com/sdk/ndk/index.html</a:t>
-            </a:r>
-            <a:endParaRPr lang="en-US" sz="1600" dirty="0" smtClean="0"/>
+              <a:t>http://developer.android.com/sdk/ndk/index.html</a:t>
+            </a:r>
+            <a:endParaRPr lang="en-US" sz="1600" smtClean="0"/>
           </a:p>
           <a:p>
             <a:pPr lvl="1"/>
             <a:r>
-              <a:rPr lang="en-US" sz="1600" dirty="0" err="1" smtClean="0"/>
-              <a:t>Tải</a:t>
-            </a:r>
-            <a:r>
-              <a:rPr lang="en-US" sz="1600" dirty="0" smtClean="0"/>
-              <a:t> 1 </a:t>
-            </a:r>
-            <a:r>
-              <a:rPr lang="en-US" sz="1600" dirty="0" err="1" smtClean="0"/>
-              <a:t>gói</a:t>
-            </a:r>
-            <a:r>
-              <a:rPr lang="en-US" sz="1600" dirty="0" smtClean="0"/>
-              <a:t> </a:t>
-            </a:r>
-            <a:r>
-              <a:rPr lang="en-US" sz="1600" dirty="0" err="1" smtClean="0"/>
-              <a:t>phù</a:t>
-            </a:r>
-            <a:r>
-              <a:rPr lang="en-US" sz="1600" dirty="0" smtClean="0"/>
-              <a:t> </a:t>
-            </a:r>
-            <a:r>
-              <a:rPr lang="en-US" sz="1600" dirty="0" err="1" smtClean="0"/>
-              <a:t>hợp</a:t>
-            </a:r>
-            <a:r>
-              <a:rPr lang="en-US" sz="1600" dirty="0" smtClean="0"/>
-              <a:t> </a:t>
-            </a:r>
-            <a:r>
-              <a:rPr lang="en-US" sz="1600" dirty="0" err="1" smtClean="0"/>
-              <a:t>với</a:t>
-            </a:r>
-            <a:r>
-              <a:rPr lang="en-US" sz="1600" dirty="0" smtClean="0"/>
-              <a:t> HĐH (Window, Linux, Mac)</a:t>
+              <a:rPr lang="en-US" sz="1600" smtClean="0"/>
+              <a:t>Tải 1 gói phù hợp với HĐH (Window, Linux, Mac)</a:t>
             </a:r>
           </a:p>
           <a:p>
             <a:pPr lvl="1"/>
             <a:r>
-              <a:rPr lang="en-US" sz="1600" dirty="0" err="1" smtClean="0"/>
-              <a:t>Giải</a:t>
-            </a:r>
-            <a:r>
-              <a:rPr lang="en-US" sz="1600" dirty="0" smtClean="0"/>
-              <a:t> </a:t>
-            </a:r>
-            <a:r>
-              <a:rPr lang="en-US" sz="1600" dirty="0" err="1" smtClean="0"/>
-              <a:t>nén</a:t>
-            </a:r>
-            <a:r>
-              <a:rPr lang="en-US" sz="1600" dirty="0" smtClean="0"/>
-              <a:t> </a:t>
-            </a:r>
-            <a:r>
-              <a:rPr lang="en-US" sz="1600" dirty="0" err="1" smtClean="0"/>
-              <a:t>tập</a:t>
-            </a:r>
-            <a:r>
-              <a:rPr lang="en-US" sz="1600" dirty="0" smtClean="0"/>
-              <a:t> tin </a:t>
-            </a:r>
-            <a:r>
-              <a:rPr lang="en-US" sz="1600" dirty="0" err="1" smtClean="0"/>
-              <a:t>vừa</a:t>
-            </a:r>
-            <a:r>
-              <a:rPr lang="en-US" sz="1600" dirty="0" smtClean="0"/>
-              <a:t> </a:t>
-            </a:r>
-            <a:r>
-              <a:rPr lang="en-US" sz="1600" dirty="0" err="1" smtClean="0"/>
-              <a:t>tải</a:t>
-            </a:r>
-            <a:r>
-              <a:rPr lang="en-US" sz="1600" dirty="0" smtClean="0"/>
-              <a:t>.</a:t>
-            </a:r>
-            <a:endParaRPr lang="en-US" sz="1800" dirty="0" smtClean="0"/>
-          </a:p>
-          <a:p>
-            <a:r>
-              <a:rPr lang="en-US" sz="2400" dirty="0" err="1" smtClean="0"/>
-              <a:t>Cygwin</a:t>
-            </a:r>
-            <a:r>
-              <a:rPr lang="en-US" sz="2400" dirty="0" smtClean="0"/>
-              <a:t> </a:t>
-            </a:r>
-            <a:r>
-              <a:rPr lang="en-US" sz="2400" dirty="0" err="1" smtClean="0"/>
-              <a:t>phiên</a:t>
-            </a:r>
-            <a:r>
-              <a:rPr lang="en-US" sz="2400" dirty="0" smtClean="0"/>
-              <a:t> </a:t>
-            </a:r>
-            <a:r>
-              <a:rPr lang="en-US" sz="2400" dirty="0" err="1" smtClean="0"/>
-              <a:t>bản</a:t>
-            </a:r>
-            <a:r>
-              <a:rPr lang="en-US" sz="2400" dirty="0" smtClean="0"/>
-              <a:t> 1.7 </a:t>
-            </a:r>
-            <a:r>
-              <a:rPr lang="en-US" sz="2400" dirty="0" err="1" smtClean="0"/>
-              <a:t>hoặc</a:t>
-            </a:r>
-            <a:r>
-              <a:rPr lang="en-US" sz="2400" dirty="0" smtClean="0"/>
-              <a:t> </a:t>
-            </a:r>
-            <a:r>
-              <a:rPr lang="en-US" sz="2400" dirty="0" err="1" smtClean="0"/>
-              <a:t>cao</a:t>
-            </a:r>
-            <a:r>
-              <a:rPr lang="en-US" sz="2400" dirty="0" smtClean="0"/>
-              <a:t> </a:t>
-            </a:r>
-            <a:r>
-              <a:rPr lang="en-US" sz="2400" dirty="0" err="1" smtClean="0"/>
-              <a:t>hơn</a:t>
-            </a:r>
-            <a:r>
-              <a:rPr lang="en-US" sz="2400" dirty="0" smtClean="0"/>
-              <a:t> </a:t>
-            </a:r>
-            <a:r>
-              <a:rPr lang="en-US" sz="2400" dirty="0" err="1" smtClean="0"/>
-              <a:t>bao</a:t>
-            </a:r>
-            <a:r>
-              <a:rPr lang="en-US" sz="2400" dirty="0" smtClean="0"/>
-              <a:t> </a:t>
-            </a:r>
-            <a:r>
-              <a:rPr lang="en-US" sz="2400" dirty="0" err="1" smtClean="0"/>
-              <a:t>gồm</a:t>
-            </a:r>
-            <a:r>
-              <a:rPr lang="en-US" sz="2400" dirty="0" smtClean="0"/>
-              <a:t> GNU make </a:t>
-            </a:r>
-            <a:r>
-              <a:rPr lang="en-US" sz="2400" dirty="0" err="1" smtClean="0"/>
-              <a:t>và</a:t>
-            </a:r>
-            <a:r>
-              <a:rPr lang="en-US" sz="2400" dirty="0" smtClean="0"/>
-              <a:t> GNU </a:t>
-            </a:r>
-            <a:r>
-              <a:rPr lang="en-US" sz="2400" dirty="0" err="1" smtClean="0"/>
-              <a:t>awk</a:t>
-            </a:r>
-            <a:r>
-              <a:rPr lang="en-US" sz="2400" dirty="0" smtClean="0"/>
-              <a:t>.</a:t>
+              <a:rPr lang="en-US" sz="1600" smtClean="0"/>
+              <a:t>Giải nén tập tin vừa tải.</a:t>
+            </a:r>
+            <a:endParaRPr lang="en-US" sz="1800" smtClean="0"/>
+          </a:p>
+          <a:p>
+            <a:r>
+              <a:rPr lang="en-US" sz="2400" smtClean="0"/>
+              <a:t>Cygwin phiên bản 1.7 hoặc cao hơn bao gồm GNU make và GNU awk.</a:t>
             </a:r>
           </a:p>
           <a:p>
             <a:pPr lvl="1"/>
             <a:r>
-              <a:rPr lang="en-US" sz="1800" dirty="0" err="1" smtClean="0"/>
-              <a:t>Tải</a:t>
-            </a:r>
-            <a:r>
-              <a:rPr lang="en-US" sz="1800" dirty="0" smtClean="0"/>
-              <a:t>: </a:t>
-            </a:r>
-            <a:r>
-              <a:rPr lang="en-US" sz="1800" dirty="0" smtClean="0">
+              <a:rPr lang="en-US" sz="1800" smtClean="0"/>
+              <a:t>Tải: </a:t>
+            </a:r>
+            <a:r>
+              <a:rPr lang="en-US" sz="1800" smtClean="0">
                 <a:hlinkClick r:id="rId3"/>
               </a:rPr>
               <a:t>http://cygwin.com/</a:t>
             </a:r>
-            <a:endParaRPr lang="en-US" sz="1800" dirty="0" smtClean="0"/>
+            <a:endParaRPr lang="en-US" sz="1800" smtClean="0"/>
           </a:p>
           <a:p>
             <a:pPr lvl="1"/>
             <a:r>
-              <a:rPr lang="en-US" sz="1800" dirty="0" err="1" smtClean="0"/>
-              <a:t>Tải</a:t>
-            </a:r>
-            <a:r>
-              <a:rPr lang="en-US" sz="1800" dirty="0" smtClean="0"/>
-              <a:t> </a:t>
-            </a:r>
-            <a:r>
-              <a:rPr lang="en-US" sz="1800" dirty="0" err="1" smtClean="0"/>
-              <a:t>tập</a:t>
-            </a:r>
-            <a:r>
-              <a:rPr lang="en-US" sz="1800" dirty="0" smtClean="0"/>
-              <a:t> tin setup.exe </a:t>
-            </a:r>
-            <a:r>
-              <a:rPr lang="en-US" sz="1800" dirty="0" err="1" smtClean="0"/>
-              <a:t>và</a:t>
-            </a:r>
-            <a:r>
-              <a:rPr lang="en-US" sz="1800" dirty="0" smtClean="0"/>
-              <a:t> </a:t>
-            </a:r>
-            <a:r>
-              <a:rPr lang="en-US" sz="1800" dirty="0" err="1" smtClean="0"/>
-              <a:t>thực</a:t>
-            </a:r>
-            <a:r>
-              <a:rPr lang="en-US" sz="1800" dirty="0" smtClean="0"/>
-              <a:t> </a:t>
-            </a:r>
-            <a:r>
-              <a:rPr lang="en-US" sz="1800" dirty="0" err="1" smtClean="0"/>
-              <a:t>hiện</a:t>
-            </a:r>
-            <a:r>
-              <a:rPr lang="en-US" sz="1800" dirty="0" smtClean="0"/>
-              <a:t> </a:t>
-            </a:r>
-            <a:r>
-              <a:rPr lang="en-US" sz="1800" dirty="0" err="1" smtClean="0"/>
-              <a:t>cài</a:t>
-            </a:r>
-            <a:r>
-              <a:rPr lang="en-US" sz="1800" dirty="0" smtClean="0"/>
-              <a:t> </a:t>
-            </a:r>
-            <a:r>
-              <a:rPr lang="en-US" sz="1800" dirty="0" err="1" smtClean="0"/>
-              <a:t>đặt</a:t>
-            </a:r>
-            <a:r>
-              <a:rPr lang="en-US" sz="1800" dirty="0" smtClean="0"/>
-              <a:t> </a:t>
-            </a:r>
-            <a:r>
-              <a:rPr lang="en-US" sz="1800" dirty="0" err="1" smtClean="0"/>
-              <a:t>theo</a:t>
-            </a:r>
-            <a:r>
-              <a:rPr lang="en-US" sz="1800" dirty="0" smtClean="0"/>
-              <a:t> </a:t>
-            </a:r>
-            <a:r>
-              <a:rPr lang="en-US" sz="1800" dirty="0" err="1" smtClean="0"/>
-              <a:t>hướng</a:t>
-            </a:r>
-            <a:r>
-              <a:rPr lang="en-US" sz="1800" dirty="0" smtClean="0"/>
-              <a:t> </a:t>
-            </a:r>
-            <a:r>
-              <a:rPr lang="en-US" sz="1800" dirty="0" err="1" smtClean="0"/>
-              <a:t>dẫn</a:t>
-            </a:r>
-            <a:r>
-              <a:rPr lang="en-US" sz="1800" dirty="0" smtClean="0"/>
-              <a:t> </a:t>
-            </a:r>
-            <a:r>
-              <a:rPr lang="en-US" sz="1800" dirty="0" err="1" smtClean="0"/>
-              <a:t>của</a:t>
-            </a:r>
-            <a:r>
-              <a:rPr lang="en-US" sz="1800" dirty="0" smtClean="0"/>
-              <a:t> </a:t>
-            </a:r>
-            <a:r>
-              <a:rPr lang="en-US" sz="1800" dirty="0" err="1" smtClean="0"/>
-              <a:t>chương</a:t>
-            </a:r>
-            <a:r>
-              <a:rPr lang="en-US" sz="1800" dirty="0" smtClean="0"/>
-              <a:t> </a:t>
-            </a:r>
-            <a:r>
-              <a:rPr lang="en-US" sz="1800" dirty="0" err="1" smtClean="0"/>
-              <a:t>trình</a:t>
-            </a:r>
-            <a:r>
-              <a:rPr lang="en-US" sz="1800" dirty="0" smtClean="0"/>
-              <a:t> </a:t>
-            </a:r>
-            <a:r>
-              <a:rPr lang="en-US" sz="1800" dirty="0" err="1" smtClean="0"/>
-              <a:t>cài</a:t>
-            </a:r>
-            <a:r>
-              <a:rPr lang="en-US" sz="1800" dirty="0" smtClean="0"/>
-              <a:t> </a:t>
-            </a:r>
-            <a:r>
-              <a:rPr lang="en-US" sz="1800" dirty="0" err="1" smtClean="0"/>
-              <a:t>đặt</a:t>
-            </a:r>
-            <a:r>
-              <a:rPr lang="en-US" sz="1800" dirty="0" smtClean="0"/>
-              <a:t>.</a:t>
-            </a:r>
-            <a:endParaRPr lang="en-US" sz="2000" dirty="0" smtClean="0"/>
-          </a:p>
-          <a:p>
-            <a:r>
-              <a:rPr lang="en-US" sz="2400" dirty="0" err="1" smtClean="0"/>
-              <a:t>Lưu</a:t>
-            </a:r>
-            <a:r>
-              <a:rPr lang="en-US" sz="2400" dirty="0" smtClean="0"/>
-              <a:t> ý: </a:t>
-            </a:r>
-            <a:r>
-              <a:rPr lang="en-US" sz="2400" dirty="0" err="1" smtClean="0"/>
-              <a:t>không</a:t>
-            </a:r>
-            <a:r>
-              <a:rPr lang="en-US" sz="2400" dirty="0" smtClean="0"/>
-              <a:t> </a:t>
-            </a:r>
-            <a:r>
-              <a:rPr lang="en-US" sz="2400" dirty="0" err="1" smtClean="0"/>
-              <a:t>đặt</a:t>
-            </a:r>
-            <a:r>
-              <a:rPr lang="en-US" sz="2400" dirty="0" smtClean="0"/>
-              <a:t> </a:t>
-            </a:r>
-            <a:r>
-              <a:rPr lang="en-US" sz="2400" dirty="0" err="1" smtClean="0"/>
-              <a:t>trong</a:t>
-            </a:r>
-            <a:r>
-              <a:rPr lang="en-US" sz="2400" dirty="0" smtClean="0"/>
-              <a:t> </a:t>
-            </a:r>
-            <a:r>
-              <a:rPr lang="en-US" sz="2400" dirty="0" err="1" smtClean="0"/>
-              <a:t>đường</a:t>
-            </a:r>
-            <a:r>
-              <a:rPr lang="en-US" sz="2400" dirty="0" smtClean="0"/>
-              <a:t> </a:t>
-            </a:r>
-            <a:r>
-              <a:rPr lang="en-US" sz="2400" dirty="0" err="1" smtClean="0"/>
-              <a:t>dẫn</a:t>
-            </a:r>
-            <a:r>
-              <a:rPr lang="en-US" sz="2400" dirty="0" smtClean="0"/>
-              <a:t> </a:t>
-            </a:r>
-            <a:r>
-              <a:rPr lang="en-US" sz="2400" dirty="0" err="1" smtClean="0"/>
-              <a:t>có</a:t>
-            </a:r>
-            <a:r>
-              <a:rPr lang="en-US" sz="2400" dirty="0" smtClean="0"/>
-              <a:t> </a:t>
-            </a:r>
-            <a:r>
-              <a:rPr lang="en-US" sz="2400" dirty="0" err="1" smtClean="0"/>
-              <a:t>khoảng</a:t>
-            </a:r>
-            <a:r>
-              <a:rPr lang="en-US" sz="2400" dirty="0" smtClean="0"/>
-              <a:t> </a:t>
-            </a:r>
-            <a:r>
-              <a:rPr lang="en-US" sz="2400" dirty="0" err="1" smtClean="0"/>
-              <a:t>trắng</a:t>
-            </a:r>
-            <a:r>
-              <a:rPr lang="en-US" sz="2400" dirty="0" smtClean="0"/>
-              <a:t>.</a:t>
-            </a:r>
-            <a:endParaRPr lang="en-US" sz="2400" dirty="0"/>
-          </a:p>
-        </p:txBody>
-      </p:sp>
-      <p:sp>
-        <p:nvSpPr>
-          <p:cNvPr id="4" name="Date Placeholder 3"/>
+              <a:rPr lang="en-US" sz="1800" smtClean="0"/>
+              <a:t>Tải tập tin setup.exe và thực hiện cài đặt theo hướng dẫn của chương trình cài đặt.</a:t>
+            </a:r>
+            <a:endParaRPr lang="en-US" sz="2000" smtClean="0"/>
+          </a:p>
+          <a:p>
+            <a:r>
+              <a:rPr lang="en-US" sz="2400" smtClean="0"/>
+              <a:t>Lưu ý: không đặt trong đường dẫn có khoảng trắng.</a:t>
+            </a:r>
+          </a:p>
+        </p:txBody>
+      </p:sp>
+      <p:sp>
+        <p:nvSpPr>
+          <p:cNvPr id="22531" name="Date Placeholder 3"/>
           <p:cNvSpPr>
             <a:spLocks noGrp="1"/>
           </p:cNvSpPr>
           <p:nvPr>
-            <p:ph type="dt" sz="half" idx="10"/>
-          </p:nvPr>
-        </p:nvSpPr>
-        <p:spPr/>
+            <p:ph type="dt" sz="quarter" idx="10"/>
+          </p:nvPr>
+        </p:nvSpPr>
+        <p:spPr>
+          <a:noFill/>
+        </p:spPr>
         <p:txBody>
           <a:bodyPr/>
           <a:lstStyle/>
           <a:p>
-            <a:pPr>
-              <a:defRPr/>
-            </a:pPr>
-            <a:fld id="{D86BDA05-886F-4BEB-8934-0E21CCB7EEA5}" type="datetime1">
+            <a:fld id="{0EBB03B1-5A64-42B1-A69D-723B2CF51DB5}" type="datetime1">
               <a:rPr lang="vi-VN" smtClean="0"/>
-              <a:pPr>
-                <a:defRPr/>
-              </a:pPr>
+              <a:pPr/>
               <a:t>23/11/2011</a:t>
             </a:fld>
-            <a:endParaRPr lang="en-US" dirty="0"/>
-          </a:p>
-        </p:txBody>
-      </p:sp>
-      <p:sp>
-        <p:nvSpPr>
-          <p:cNvPr id="5" name="Footer Placeholder 4"/>
+            <a:endParaRPr lang="en-US" smtClean="0"/>
+          </a:p>
+        </p:txBody>
+      </p:sp>
+      <p:sp>
+        <p:nvSpPr>
+          <p:cNvPr id="22532" name="Footer Placeholder 4"/>
           <p:cNvSpPr>
             <a:spLocks noGrp="1"/>
           </p:cNvSpPr>
@@ -8764,25 +6493,23 @@
             <p:ph type="ftr" sz="quarter" idx="11"/>
           </p:nvPr>
         </p:nvSpPr>
-        <p:spPr/>
+        <p:spPr>
+          <a:noFill/>
+        </p:spPr>
         <p:txBody>
           <a:bodyPr/>
           <a:lstStyle/>
           <a:p>
-            <a:pPr>
-              <a:defRPr/>
-            </a:pPr>
             <a:r>
               <a:rPr lang="en-US" smtClean="0"/>
               <a:t>Trung Tâm Tin Học - ĐH KHTN         ĐH QG TP.HCM</a:t>
             </a:r>
-            <a:endParaRPr lang="en-US"/>
-          </a:p>
-        </p:txBody>
-      </p:sp>
-      <p:sp>
-        <p:nvSpPr>
-          <p:cNvPr id="6" name="Slide Number Placeholder 5"/>
+          </a:p>
+        </p:txBody>
+      </p:sp>
+      <p:sp>
+        <p:nvSpPr>
+          <p:cNvPr id="22533" name="Slide Number Placeholder 5"/>
           <p:cNvSpPr>
             <a:spLocks noGrp="1"/>
           </p:cNvSpPr>
@@ -8790,22 +6517,19 @@
             <p:ph type="sldNum" sz="quarter" idx="12"/>
           </p:nvPr>
         </p:nvSpPr>
-        <p:spPr/>
+        <p:spPr>
+          <a:noFill/>
+        </p:spPr>
         <p:txBody>
           <a:bodyPr/>
           <a:lstStyle/>
           <a:p>
-            <a:pPr>
-              <a:defRPr/>
-            </a:pPr>
-            <a:fld id="{FAD8CA80-D256-40E5-B64B-EBBE75738043}" type="slidenum">
-              <a:rPr lang="en-US" smtClean="0"/>
-              <a:pPr>
-                <a:defRPr/>
-              </a:pPr>
+            <a:fld id="{25E04530-C88E-4424-959D-1BDF40DAC0CD}" type="slidenum">
+              <a:rPr lang="en-US" smtClean="0"/>
+              <a:pPr/>
               <a:t>7</a:t>
             </a:fld>
-            <a:endParaRPr lang="en-US"/>
+            <a:endParaRPr lang="en-US" smtClean="0"/>
           </a:p>
         </p:txBody>
       </p:sp>
@@ -8836,7 +6560,7 @@
       </p:grpSpPr>
       <p:sp>
         <p:nvSpPr>
-          <p:cNvPr id="2" name="Title 1"/>
+          <p:cNvPr id="23553" name="Title 1"/>
           <p:cNvSpPr>
             <a:spLocks noGrp="1"/>
           </p:cNvSpPr>
@@ -8846,7 +6570,7 @@
         </p:nvSpPr>
         <p:spPr>
           <a:xfrm>
-            <a:off x="762000" y="762000"/>
+            <a:off x="762000" y="914400"/>
             <a:ext cx="7924800" cy="609600"/>
           </a:xfrm>
         </p:spPr>
@@ -8856,104 +6580,41 @@
           <a:p>
             <a:pPr algn="r"/>
             <a:r>
-              <a:rPr lang="en-US" sz="2800" dirty="0" err="1" smtClean="0"/>
-              <a:t>Tạo</a:t>
-            </a:r>
-            <a:r>
-              <a:rPr lang="en-US" sz="2800" dirty="0" smtClean="0"/>
-              <a:t> </a:t>
-            </a:r>
-            <a:r>
-              <a:rPr lang="en-US" sz="2800" dirty="0" err="1" smtClean="0"/>
-              <a:t>một</a:t>
-            </a:r>
-            <a:r>
-              <a:rPr lang="en-US" sz="2800" dirty="0" smtClean="0"/>
-              <a:t> </a:t>
-            </a:r>
-            <a:r>
-              <a:rPr lang="en-US" sz="2800" dirty="0" err="1" smtClean="0"/>
-              <a:t>thư</a:t>
-            </a:r>
-            <a:r>
-              <a:rPr lang="en-US" sz="2800" dirty="0" smtClean="0"/>
-              <a:t> </a:t>
-            </a:r>
-            <a:r>
-              <a:rPr lang="en-US" sz="2800" dirty="0" err="1" smtClean="0"/>
-              <a:t>viện</a:t>
-            </a:r>
-            <a:r>
-              <a:rPr lang="en-US" sz="2800" dirty="0" smtClean="0"/>
-              <a:t> Android native </a:t>
-            </a:r>
-            <a:r>
-              <a:rPr lang="en-US" sz="2800" dirty="0" err="1" smtClean="0"/>
-              <a:t>đơn</a:t>
-            </a:r>
-            <a:r>
-              <a:rPr lang="en-US" sz="2800" dirty="0" smtClean="0"/>
-              <a:t> </a:t>
-            </a:r>
-            <a:r>
-              <a:rPr lang="en-US" sz="2800" dirty="0" err="1" smtClean="0"/>
-              <a:t>giản</a:t>
-            </a:r>
-            <a:endParaRPr lang="en-US" sz="2800" dirty="0"/>
-          </a:p>
-        </p:txBody>
-      </p:sp>
-      <p:sp>
-        <p:nvSpPr>
-          <p:cNvPr id="3" name="Content Placeholder 2"/>
+              <a:rPr lang="en-US" sz="2800" smtClean="0"/>
+              <a:t>Tạo một thư viện Android native đơn giản -  “hello-jni”</a:t>
+            </a:r>
+          </a:p>
+        </p:txBody>
+      </p:sp>
+      <p:sp>
+        <p:nvSpPr>
+          <p:cNvPr id="23555" name="Date Placeholder 3"/>
           <p:cNvSpPr>
             <a:spLocks noGrp="1"/>
           </p:cNvSpPr>
           <p:nvPr>
-            <p:ph idx="1"/>
-          </p:nvPr>
-        </p:nvSpPr>
-        <p:spPr/>
+            <p:ph type="dt" sz="quarter" idx="10"/>
+          </p:nvPr>
+        </p:nvSpPr>
+        <p:spPr>
+          <a:noFill/>
+        </p:spPr>
         <p:txBody>
           <a:bodyPr/>
           <a:lstStyle/>
           <a:p>
-            <a:endParaRPr lang="en-US"/>
-          </a:p>
-        </p:txBody>
-      </p:sp>
-      <p:sp>
-        <p:nvSpPr>
-          <p:cNvPr id="4" name="Date Placeholder 3"/>
-          <p:cNvSpPr>
-            <a:spLocks noGrp="1"/>
-          </p:cNvSpPr>
-          <p:nvPr>
-            <p:ph type="dt" sz="half" idx="10"/>
-          </p:nvPr>
-        </p:nvSpPr>
-        <p:spPr/>
-        <p:txBody>
-          <a:bodyPr/>
-          <a:lstStyle/>
-          <a:p>
-            <a:pPr>
-              <a:defRPr/>
-            </a:pPr>
-            <a:fld id="{D86BDA05-886F-4BEB-8934-0E21CCB7EEA5}" type="datetime1">
+            <a:fld id="{9AFF6C85-BB86-4247-985E-546ABC69ACFB}" type="datetime1">
               <a:rPr lang="vi-VN" smtClean="0"/>
-              <a:pPr>
-                <a:defRPr/>
-              </a:pPr>
+              <a:pPr/>
               <a:t>23/11/2011</a:t>
             </a:fld>
-            <a:endParaRPr lang="en-US"/>
-          </a:p>
-        </p:txBody>
-      </p:sp>
-      <p:sp>
-        <p:nvSpPr>
-          <p:cNvPr id="5" name="Footer Placeholder 4"/>
+            <a:endParaRPr lang="en-US" smtClean="0"/>
+          </a:p>
+        </p:txBody>
+      </p:sp>
+      <p:sp>
+        <p:nvSpPr>
+          <p:cNvPr id="23556" name="Footer Placeholder 4"/>
           <p:cNvSpPr>
             <a:spLocks noGrp="1"/>
           </p:cNvSpPr>
@@ -8961,25 +6622,23 @@
             <p:ph type="ftr" sz="quarter" idx="11"/>
           </p:nvPr>
         </p:nvSpPr>
-        <p:spPr/>
+        <p:spPr>
+          <a:noFill/>
+        </p:spPr>
         <p:txBody>
           <a:bodyPr/>
           <a:lstStyle/>
           <a:p>
-            <a:pPr>
-              <a:defRPr/>
-            </a:pPr>
             <a:r>
               <a:rPr lang="en-US" smtClean="0"/>
               <a:t>Trung Tâm Tin Học - ĐH KHTN         ĐH QG TP.HCM</a:t>
             </a:r>
-            <a:endParaRPr lang="en-US"/>
-          </a:p>
-        </p:txBody>
-      </p:sp>
-      <p:sp>
-        <p:nvSpPr>
-          <p:cNvPr id="6" name="Slide Number Placeholder 5"/>
+          </a:p>
+        </p:txBody>
+      </p:sp>
+      <p:sp>
+        <p:nvSpPr>
+          <p:cNvPr id="23557" name="Slide Number Placeholder 5"/>
           <p:cNvSpPr>
             <a:spLocks noGrp="1"/>
           </p:cNvSpPr>
@@ -8987,22 +6646,152 @@
             <p:ph type="sldNum" sz="quarter" idx="12"/>
           </p:nvPr>
         </p:nvSpPr>
-        <p:spPr/>
+        <p:spPr>
+          <a:noFill/>
+        </p:spPr>
         <p:txBody>
           <a:bodyPr/>
           <a:lstStyle/>
           <a:p>
-            <a:pPr>
-              <a:defRPr/>
-            </a:pPr>
-            <a:fld id="{FAD8CA80-D256-40E5-B64B-EBBE75738043}" type="slidenum">
-              <a:rPr lang="en-US" smtClean="0"/>
-              <a:pPr>
-                <a:defRPr/>
-              </a:pPr>
+            <a:fld id="{8B723EA1-1899-4B8D-96A0-65B74FE1EE1D}" type="slidenum">
+              <a:rPr lang="en-US" smtClean="0"/>
+              <a:pPr/>
               <a:t>8</a:t>
             </a:fld>
+            <a:endParaRPr lang="en-US" smtClean="0"/>
+          </a:p>
+        </p:txBody>
+      </p:sp>
+      <p:sp>
+        <p:nvSpPr>
+          <p:cNvPr id="23559" name="Rectangle 7"/>
+          <p:cNvSpPr>
+            <a:spLocks noChangeArrowheads="1"/>
+          </p:cNvSpPr>
+          <p:nvPr/>
+        </p:nvSpPr>
+        <p:spPr bwMode="auto">
+          <a:xfrm>
+            <a:off x="838200" y="2362200"/>
+            <a:ext cx="7693025" cy="3724275"/>
+          </a:xfrm>
+          <a:prstGeom prst="rect">
+            <a:avLst/>
+          </a:prstGeom>
+          <a:noFill/>
+          <a:ln w="9525">
+            <a:noFill/>
+            <a:miter lim="800000"/>
+            <a:headEnd/>
+            <a:tailEnd/>
+          </a:ln>
+        </p:spPr>
+        <p:txBody>
+          <a:bodyPr/>
+          <a:lstStyle/>
+          <a:p>
+            <a:pPr marL="342900" indent="-342900" eaLnBrk="0" hangingPunct="0">
+              <a:spcBef>
+                <a:spcPct val="20000"/>
+              </a:spcBef>
+              <a:buClr>
+                <a:schemeClr val="tx1"/>
+              </a:buClr>
+              <a:buSzPct val="75000"/>
+              <a:buFont typeface="Wingdings" pitchFamily="2" charset="2"/>
+              <a:buChar char="l"/>
+            </a:pPr>
+            <a:r>
+              <a:rPr lang="en-US" sz="2800"/>
+              <a:t>Vị trí: </a:t>
+            </a:r>
+            <a:r>
+              <a:rPr lang="en-US"/>
+              <a:t>%NDKPATH%\samples\hello-jni</a:t>
+            </a:r>
+          </a:p>
+          <a:p>
+            <a:pPr marL="342900" indent="-342900" eaLnBrk="0" hangingPunct="0">
+              <a:spcBef>
+                <a:spcPct val="20000"/>
+              </a:spcBef>
+              <a:buClr>
+                <a:schemeClr val="tx1"/>
+              </a:buClr>
+              <a:buSzPct val="75000"/>
+              <a:buFont typeface="Wingdings" pitchFamily="2" charset="2"/>
+              <a:buChar char="l"/>
+            </a:pPr>
+            <a:r>
+              <a:rPr lang="en-US" sz="2800"/>
+              <a:t>Bao gồm</a:t>
+            </a:r>
+            <a:r>
+              <a:rPr lang="en-US"/>
+              <a:t>: </a:t>
+            </a:r>
+          </a:p>
+          <a:p>
+            <a:pPr marL="742950" lvl="1" indent="-285750" eaLnBrk="0" hangingPunct="0">
+              <a:spcBef>
+                <a:spcPct val="20000"/>
+              </a:spcBef>
+              <a:buClr>
+                <a:schemeClr val="tx1"/>
+              </a:buClr>
+              <a:buSzPct val="75000"/>
+              <a:buFontTx/>
+              <a:buChar char="–"/>
+            </a:pPr>
+            <a:r>
+              <a:rPr lang="en-US" sz="1600"/>
+              <a:t>Các thư mục theo cấu trúc 1 Android project (/res, /src, AndroidManifest.xml)</a:t>
+            </a:r>
+          </a:p>
+          <a:p>
+            <a:pPr marL="742950" lvl="1" indent="-285750" eaLnBrk="0" hangingPunct="0">
+              <a:spcBef>
+                <a:spcPct val="20000"/>
+              </a:spcBef>
+              <a:buClr>
+                <a:schemeClr val="tx1"/>
+              </a:buClr>
+              <a:buSzPct val="75000"/>
+              <a:buFontTx/>
+              <a:buChar char="–"/>
+            </a:pPr>
+            <a:r>
+              <a:rPr lang="en-US" sz="1600"/>
+              <a:t>Thư mục /jni chứa các tập tin tài nguyên, mã nguồn C/C++</a:t>
+            </a:r>
+          </a:p>
+          <a:p>
+            <a:pPr marL="342900" indent="-342900" eaLnBrk="0" hangingPunct="0">
+              <a:spcBef>
+                <a:spcPct val="20000"/>
+              </a:spcBef>
+              <a:buClr>
+                <a:schemeClr val="tx1"/>
+              </a:buClr>
+              <a:buSzPct val="75000"/>
+              <a:buFont typeface="Wingdings" pitchFamily="2" charset="2"/>
+              <a:buNone/>
+            </a:pPr>
             <a:endParaRPr lang="en-US"/>
+          </a:p>
+          <a:p>
+            <a:pPr marL="342900" indent="-342900" eaLnBrk="0" hangingPunct="0">
+              <a:spcBef>
+                <a:spcPct val="20000"/>
+              </a:spcBef>
+              <a:buClr>
+                <a:schemeClr val="tx1"/>
+              </a:buClr>
+              <a:buSzPct val="75000"/>
+              <a:buFont typeface="Wingdings" pitchFamily="2" charset="2"/>
+              <a:buChar char="l"/>
+            </a:pPr>
+            <a:endParaRPr lang="en-US" sz="2800"/>
           </a:p>
         </p:txBody>
       </p:sp>
@@ -9033,123 +6822,165 @@
       </p:grpSpPr>
       <p:sp>
         <p:nvSpPr>
-          <p:cNvPr id="2" name="Title 1"/>
-          <p:cNvSpPr>
-            <a:spLocks noGrp="1"/>
+          <p:cNvPr id="27650" name="AutoShape 2"/>
+          <p:cNvSpPr>
+            <a:spLocks noGrp="1" noChangeArrowheads="1"/>
           </p:cNvSpPr>
           <p:nvPr>
             <p:ph type="title"/>
           </p:nvPr>
         </p:nvSpPr>
+        <p:spPr>
+          <a:xfrm>
+            <a:off x="762000" y="762000"/>
+            <a:ext cx="7924800" cy="609600"/>
+          </a:xfrm>
+        </p:spPr>
+        <p:txBody>
+          <a:bodyPr/>
+          <a:lstStyle/>
+          <a:p>
+            <a:pPr algn="r"/>
+            <a:r>
+              <a:rPr lang="en-US" sz="3200" smtClean="0"/>
+              <a:t>“hello-jni”</a:t>
+            </a:r>
+          </a:p>
+        </p:txBody>
+      </p:sp>
+      <p:sp>
+        <p:nvSpPr>
+          <p:cNvPr id="27651" name="Rectangle 3"/>
+          <p:cNvSpPr>
+            <a:spLocks noGrp="1" noChangeArrowheads="1"/>
+          </p:cNvSpPr>
+          <p:nvPr>
+            <p:ph type="body" idx="1"/>
+          </p:nvPr>
+        </p:nvSpPr>
         <p:spPr/>
         <p:txBody>
           <a:bodyPr/>
           <a:lstStyle/>
           <a:p>
-            <a:endParaRPr lang="en-US"/>
-          </a:p>
-        </p:txBody>
-      </p:sp>
-      <p:sp>
-        <p:nvSpPr>
-          <p:cNvPr id="3" name="Content Placeholder 2"/>
-          <p:cNvSpPr>
-            <a:spLocks noGrp="1"/>
-          </p:cNvSpPr>
-          <p:nvPr>
-            <p:ph idx="1"/>
-          </p:nvPr>
-        </p:nvSpPr>
-        <p:spPr/>
-        <p:txBody>
-          <a:bodyPr/>
-          <a:lstStyle/>
-          <a:p>
-            <a:endParaRPr lang="en-US"/>
-          </a:p>
-        </p:txBody>
-      </p:sp>
-      <p:sp>
-        <p:nvSpPr>
-          <p:cNvPr id="4" name="Date Placeholder 3"/>
-          <p:cNvSpPr>
-            <a:spLocks noGrp="1"/>
-          </p:cNvSpPr>
-          <p:nvPr>
-            <p:ph type="dt" sz="half" idx="10"/>
-          </p:nvPr>
-        </p:nvSpPr>
-        <p:spPr/>
-        <p:txBody>
-          <a:bodyPr/>
-          <a:lstStyle/>
-          <a:p>
             <a:pPr>
-              <a:defRPr/>
+              <a:lnSpc>
+                <a:spcPct val="80000"/>
+              </a:lnSpc>
             </a:pPr>
-            <a:fld id="{D86BDA05-886F-4BEB-8934-0E21CCB7EEA5}" type="datetime1">
-              <a:rPr lang="vi-VN" smtClean="0"/>
-              <a:pPr>
-                <a:defRPr/>
-              </a:pPr>
-              <a:t>23/11/2011</a:t>
-            </a:fld>
-            <a:endParaRPr lang="en-US"/>
-          </a:p>
-        </p:txBody>
-      </p:sp>
-      <p:sp>
-        <p:nvSpPr>
-          <p:cNvPr id="5" name="Footer Placeholder 4"/>
-          <p:cNvSpPr>
-            <a:spLocks noGrp="1"/>
-          </p:cNvSpPr>
-          <p:nvPr>
-            <p:ph type="ftr" sz="quarter" idx="11"/>
-          </p:nvPr>
-        </p:nvSpPr>
-        <p:spPr/>
-        <p:txBody>
-          <a:bodyPr/>
-          <a:lstStyle/>
+            <a:r>
+              <a:rPr lang="en-US" sz="2000" smtClean="0"/>
+              <a:t>Tạo project từ mã nguồn “hello-jni”</a:t>
+            </a:r>
+          </a:p>
+          <a:p>
+            <a:pPr lvl="1">
+              <a:lnSpc>
+                <a:spcPct val="80000"/>
+              </a:lnSpc>
+            </a:pPr>
+            <a:r>
+              <a:rPr lang="en-US" sz="1800" smtClean="0"/>
+              <a:t>File -&gt; New Android project -&gt; Create project from existing source.</a:t>
+            </a:r>
+          </a:p>
+          <a:p>
+            <a:pPr lvl="1">
+              <a:lnSpc>
+                <a:spcPct val="80000"/>
+              </a:lnSpc>
+            </a:pPr>
+            <a:r>
+              <a:rPr lang="en-US" sz="1800" smtClean="0"/>
+              <a:t>Thực hiện chỉ đường dẫn (Browse) tới thư mục “</a:t>
+            </a:r>
+            <a:r>
+              <a:rPr lang="en-US" sz="1200" smtClean="0"/>
+              <a:t>%NDKPATH%\samples\hello-jni</a:t>
+            </a:r>
+            <a:r>
+              <a:rPr lang="en-US" sz="1800" smtClean="0"/>
+              <a:t>”</a:t>
+            </a:r>
+          </a:p>
+          <a:p>
+            <a:pPr lvl="1">
+              <a:lnSpc>
+                <a:spcPct val="80000"/>
+              </a:lnSpc>
+            </a:pPr>
+            <a:r>
+              <a:rPr lang="en-US" sz="1800" smtClean="0"/>
+              <a:t>Finish.</a:t>
+            </a:r>
+          </a:p>
           <a:p>
             <a:pPr>
-              <a:defRPr/>
+              <a:lnSpc>
+                <a:spcPct val="80000"/>
+              </a:lnSpc>
             </a:pPr>
             <a:r>
-              <a:rPr lang="en-US" smtClean="0"/>
-              <a:t>Trung Tâm Tin Học - ĐH KHTN         ĐH QG TP.HCM</a:t>
-            </a:r>
-            <a:endParaRPr lang="en-US"/>
-          </a:p>
-        </p:txBody>
-      </p:sp>
-      <p:sp>
-        <p:nvSpPr>
-          <p:cNvPr id="6" name="Slide Number Placeholder 5"/>
-          <p:cNvSpPr>
-            <a:spLocks noGrp="1"/>
-          </p:cNvSpPr>
-          <p:nvPr>
-            <p:ph type="sldNum" sz="quarter" idx="12"/>
-          </p:nvPr>
-        </p:nvSpPr>
-        <p:spPr/>
-        <p:txBody>
-          <a:bodyPr/>
-          <a:lstStyle/>
-          <a:p>
-            <a:pPr>
-              <a:defRPr/>
+              <a:rPr lang="en-US" sz="2000" smtClean="0"/>
+              <a:t>Từ command line (cmd), tại thư mục “hello-jni”, thực hiện lệnh: </a:t>
+            </a:r>
+          </a:p>
+          <a:p>
+            <a:pPr lvl="1">
+              <a:lnSpc>
+                <a:spcPct val="80000"/>
+              </a:lnSpc>
             </a:pPr>
-            <a:fld id="{FAD8CA80-D256-40E5-B64B-EBBE75738043}" type="slidenum">
-              <a:rPr lang="en-US" smtClean="0"/>
-              <a:pPr>
-                <a:defRPr/>
-              </a:pPr>
-              <a:t>9</a:t>
-            </a:fld>
-            <a:endParaRPr lang="en-US"/>
+            <a:r>
+              <a:rPr lang="en-US" sz="1800" smtClean="0"/>
+              <a:t>Lệnh 1: tạo file build.xml </a:t>
+            </a:r>
+          </a:p>
+          <a:p>
+            <a:pPr lvl="2">
+              <a:lnSpc>
+                <a:spcPct val="80000"/>
+              </a:lnSpc>
+            </a:pPr>
+            <a:r>
+              <a:rPr lang="en-US" sz="1600" smtClean="0"/>
+              <a:t>cmd$&gt; android update project –p . –s</a:t>
+            </a:r>
+          </a:p>
+          <a:p>
+            <a:pPr lvl="2">
+              <a:lnSpc>
+                <a:spcPct val="80000"/>
+              </a:lnSpc>
+              <a:buFont typeface="Wingdings" pitchFamily="2" charset="2"/>
+              <a:buNone/>
+            </a:pPr>
+            <a:r>
+              <a:rPr lang="en-US" sz="1600" smtClean="0"/>
+              <a:t>(lưu ý: nếu ko tìm thấy lệnh “android” thì cần đăng ký với biến môi trường PATH của hệ thống)</a:t>
+            </a:r>
+          </a:p>
+          <a:p>
+            <a:pPr lvl="1">
+              <a:lnSpc>
+                <a:spcPct val="80000"/>
+              </a:lnSpc>
+            </a:pPr>
+            <a:r>
+              <a:rPr lang="en-US" sz="1800" smtClean="0"/>
+              <a:t>Lệnh 2: thực hiện build native code bằng lệnh ndk-build trong cygwin</a:t>
+            </a:r>
+          </a:p>
+          <a:p>
+            <a:pPr lvl="2">
+              <a:lnSpc>
+                <a:spcPct val="80000"/>
+              </a:lnSpc>
+            </a:pPr>
+            <a:r>
+              <a:rPr lang="en-US" sz="1600" smtClean="0"/>
+              <a:t>..\samples\hello-jni$&gt; %NDKPATH%\ndk-build</a:t>
+            </a:r>
           </a:p>
         </p:txBody>
       </p:sp>
